--- a/PROJECT 2023/EB/GLORY/POWERPOINT.pptx
+++ b/PROJECT 2023/EB/GLORY/POWERPOINT.pptx
@@ -12,8 +12,12 @@
     <p:sldId id="286" r:id="rId6"/>
     <p:sldId id="262" r:id="rId7"/>
     <p:sldId id="280" r:id="rId8"/>
-    <p:sldId id="287" r:id="rId9"/>
-    <p:sldId id="275" r:id="rId10"/>
+    <p:sldId id="288" r:id="rId9"/>
+    <p:sldId id="291" r:id="rId10"/>
+    <p:sldId id="292" r:id="rId11"/>
+    <p:sldId id="289" r:id="rId12"/>
+    <p:sldId id="287" r:id="rId13"/>
+    <p:sldId id="275" r:id="rId14"/>
   </p:sldIdLst>
   <p:sldSz cx="12192000" cy="6858000"/>
   <p:notesSz cx="6797675" cy="9926638"/>
@@ -347,7 +351,7 @@
             <a:fld id="{B61BEF0D-F0BB-DE4B-95CE-6DB70DBA9567}" type="datetimeFigureOut">
               <a:rPr lang="en-US" smtClean="0"/>
               <a:pPr/>
-              <a:t>7/11/2023</a:t>
+              <a:t>10/4/2023</a:t>
             </a:fld>
             <a:endParaRPr lang="en-US" dirty="0"/>
           </a:p>
@@ -560,7 +564,7 @@
             <a:fld id="{B61BEF0D-F0BB-DE4B-95CE-6DB70DBA9567}" type="datetimeFigureOut">
               <a:rPr lang="en-US" smtClean="0"/>
               <a:pPr/>
-              <a:t>7/11/2023</a:t>
+              <a:t>10/4/2023</a:t>
             </a:fld>
             <a:endParaRPr lang="en-US" dirty="0"/>
           </a:p>
@@ -821,7 +825,7 @@
             <a:fld id="{B61BEF0D-F0BB-DE4B-95CE-6DB70DBA9567}" type="datetimeFigureOut">
               <a:rPr lang="en-US" smtClean="0"/>
               <a:pPr/>
-              <a:t>7/11/2023</a:t>
+              <a:t>10/4/2023</a:t>
             </a:fld>
             <a:endParaRPr lang="en-US" dirty="0"/>
           </a:p>
@@ -1000,7 +1004,7 @@
             <a:fld id="{B61BEF0D-F0BB-DE4B-95CE-6DB70DBA9567}" type="datetimeFigureOut">
               <a:rPr lang="en-US" smtClean="0"/>
               <a:pPr/>
-              <a:t>7/11/2023</a:t>
+              <a:t>10/4/2023</a:t>
             </a:fld>
             <a:endParaRPr lang="en-US" dirty="0"/>
           </a:p>
@@ -1348,7 +1352,7 @@
             <a:fld id="{B61BEF0D-F0BB-DE4B-95CE-6DB70DBA9567}" type="datetimeFigureOut">
               <a:rPr lang="en-US" smtClean="0"/>
               <a:pPr/>
-              <a:t>7/11/2023</a:t>
+              <a:t>10/4/2023</a:t>
             </a:fld>
             <a:endParaRPr lang="en-US" dirty="0"/>
           </a:p>
@@ -1628,7 +1632,7 @@
             <a:fld id="{B61BEF0D-F0BB-DE4B-95CE-6DB70DBA9567}" type="datetimeFigureOut">
               <a:rPr lang="en-US" smtClean="0"/>
               <a:pPr/>
-              <a:t>7/11/2023</a:t>
+              <a:t>10/4/2023</a:t>
             </a:fld>
             <a:endParaRPr lang="en-US" dirty="0"/>
           </a:p>
@@ -2012,7 +2016,7 @@
             <a:fld id="{B61BEF0D-F0BB-DE4B-95CE-6DB70DBA9567}" type="datetimeFigureOut">
               <a:rPr lang="en-US" smtClean="0"/>
               <a:pPr/>
-              <a:t>7/11/2023</a:t>
+              <a:t>10/4/2023</a:t>
             </a:fld>
             <a:endParaRPr lang="en-US" dirty="0"/>
           </a:p>
@@ -2135,7 +2139,7 @@
             <a:fld id="{B61BEF0D-F0BB-DE4B-95CE-6DB70DBA9567}" type="datetimeFigureOut">
               <a:rPr lang="en-US" smtClean="0"/>
               <a:pPr/>
-              <a:t>7/11/2023</a:t>
+              <a:t>10/4/2023</a:t>
             </a:fld>
             <a:endParaRPr lang="en-US" dirty="0"/>
           </a:p>
@@ -2311,7 +2315,7 @@
             <a:fld id="{B61BEF0D-F0BB-DE4B-95CE-6DB70DBA9567}" type="datetimeFigureOut">
               <a:rPr lang="en-US" smtClean="0"/>
               <a:pPr/>
-              <a:t>7/11/2023</a:t>
+              <a:t>10/4/2023</a:t>
             </a:fld>
             <a:endParaRPr lang="en-US" dirty="0"/>
           </a:p>
@@ -2670,7 +2674,7 @@
             <a:fld id="{B61BEF0D-F0BB-DE4B-95CE-6DB70DBA9567}" type="datetimeFigureOut">
               <a:rPr lang="en-US" smtClean="0"/>
               <a:pPr/>
-              <a:t>7/11/2023</a:t>
+              <a:t>10/4/2023</a:t>
             </a:fld>
             <a:endParaRPr lang="en-US" dirty="0"/>
           </a:p>
@@ -3057,7 +3061,7 @@
             <a:fld id="{B61BEF0D-F0BB-DE4B-95CE-6DB70DBA9567}" type="datetimeFigureOut">
               <a:rPr lang="en-US" smtClean="0"/>
               <a:pPr/>
-              <a:t>7/11/2023</a:t>
+              <a:t>10/4/2023</a:t>
             </a:fld>
             <a:endParaRPr lang="en-US" dirty="0"/>
           </a:p>
@@ -3349,7 +3353,7 @@
             <a:fld id="{B61BEF0D-F0BB-DE4B-95CE-6DB70DBA9567}" type="datetimeFigureOut">
               <a:rPr lang="en-US" smtClean="0"/>
               <a:pPr/>
-              <a:t>7/11/2023</a:t>
+              <a:t>10/4/2023</a:t>
             </a:fld>
             <a:endParaRPr lang="en-US" dirty="0"/>
           </a:p>
@@ -3927,7 +3931,7 @@
                 <a:latin typeface="Times New Roman" panose="02020603050405020304" pitchFamily="18" charset="0"/>
                 <a:cs typeface="Times New Roman" panose="02020603050405020304" pitchFamily="18" charset="0"/>
               </a:rPr>
-              <a:t>PREVALENCE OF PLANT PARASITIC NEMATODES ON GROUNDNUT ROOTS IN SOME SELECTED FIELDS WITHIN FEDERAL POLYTECHNIC, MUBI</a:t>
+              <a:t>PREVALENCE OF PLANT PARASITIC NEMATODES ON GROUNDNUT ROOTS IN SOME SELECTED FARM WITHIN FEDERAL POLYTECHNIC, MUBI</a:t>
             </a:r>
             <a:br>
               <a:rPr lang="en-GB" sz="2800" dirty="0">
@@ -3948,6 +3952,15 @@
               </a:rPr>
               <a:t> </a:t>
             </a:r>
+            <a:br>
+              <a:rPr lang="en-US" sz="2800" b="1" dirty="0">
+                <a:solidFill>
+                  <a:schemeClr val="tx1"/>
+                </a:solidFill>
+                <a:latin typeface="Times New Roman" panose="02020603050405020304" pitchFamily="18" charset="0"/>
+                <a:cs typeface="Times New Roman" panose="02020603050405020304" pitchFamily="18" charset="0"/>
+              </a:rPr>
+            </a:br>
             <a:br>
               <a:rPr lang="en-US" sz="2800" b="1" dirty="0">
                 <a:solidFill>
@@ -4059,7 +4072,7 @@
                 <a:latin typeface="Times New Roman" panose="02020603050405020304" pitchFamily="18" charset="0"/>
                 <a:cs typeface="Times New Roman" panose="02020603050405020304" pitchFamily="18" charset="0"/>
               </a:rPr>
-              <a:t> A PROJECT PROPOSAL PRESENTED TO THE DEPARTMENT OF BIOLOGICAL SCIENCE TECHNOLOGY, FEDERAL POLYTECHNIC MUBI, ADAMAWA STATE.</a:t>
+              <a:t> A PROJECT PRESENTED TO THE DEPARTMENT OF BIOLOGICAL SCIENCE TECHNOLOGY, FEDERAL POLYTECHNIC MUBI, ADAMAWA STATE.</a:t>
             </a:r>
             <a:br>
               <a:rPr lang="en-GB" sz="2800" dirty="0">
@@ -4097,7 +4110,7 @@
                 <a:latin typeface="Times New Roman" panose="02020603050405020304" pitchFamily="18" charset="0"/>
                 <a:cs typeface="Times New Roman" panose="02020603050405020304" pitchFamily="18" charset="0"/>
               </a:rPr>
-              <a:t>JULY, 2023</a:t>
+              <a:t>OCTOBER, 2023</a:t>
             </a:r>
             <a:endParaRPr lang="en-GB" sz="2800" dirty="0">
               <a:solidFill>
@@ -4113,6 +4126,1073 @@
     <p:extLst>
       <p:ext uri="{BB962C8B-B14F-4D97-AF65-F5344CB8AC3E}">
         <p14:creationId xmlns:p14="http://schemas.microsoft.com/office/powerpoint/2010/main" val="1844999730"/>
+      </p:ext>
+    </p:extLst>
+  </p:cSld>
+  <p:clrMapOvr>
+    <a:masterClrMapping/>
+  </p:clrMapOvr>
+  <p:transition spd="slow">
+    <p:push dir="u"/>
+  </p:transition>
+</p:sld>
+</file>
+
+<file path=ppt/slides/slide10.xml><?xml version="1.0" encoding="utf-8"?>
+<p:sld xmlns:a="http://schemas.openxmlformats.org/drawingml/2006/main" xmlns:r="http://schemas.openxmlformats.org/officeDocument/2006/relationships" xmlns:p="http://schemas.openxmlformats.org/presentationml/2006/main">
+  <p:cSld>
+    <p:spTree>
+      <p:nvGrpSpPr>
+        <p:cNvPr id="1" name=""/>
+        <p:cNvGrpSpPr/>
+        <p:nvPr/>
+      </p:nvGrpSpPr>
+      <p:grpSpPr>
+        <a:xfrm>
+          <a:off x="0" y="0"/>
+          <a:ext cx="0" cy="0"/>
+          <a:chOff x="0" y="0"/>
+          <a:chExt cx="0" cy="0"/>
+        </a:xfrm>
+      </p:grpSpPr>
+      <p:sp>
+        <p:nvSpPr>
+          <p:cNvPr id="4" name="Title 1">
+            <a:extLst>
+              <a:ext uri="{FF2B5EF4-FFF2-40B4-BE49-F238E27FC236}">
+                <a16:creationId xmlns:a16="http://schemas.microsoft.com/office/drawing/2014/main" id="{EDB21447-A505-4939-ABA1-E513832266BF}"/>
+              </a:ext>
+            </a:extLst>
+          </p:cNvPr>
+          <p:cNvSpPr>
+            <a:spLocks noGrp="1"/>
+          </p:cNvSpPr>
+          <p:nvPr>
+            <p:ph type="title"/>
+          </p:nvPr>
+        </p:nvSpPr>
+        <p:spPr>
+          <a:xfrm>
+            <a:off x="810904" y="354482"/>
+            <a:ext cx="10972800" cy="860169"/>
+          </a:xfrm>
+        </p:spPr>
+        <p:txBody>
+          <a:bodyPr>
+            <a:normAutofit/>
+          </a:bodyPr>
+          <a:lstStyle/>
+          <a:p>
+            <a:pPr algn="ctr"/>
+            <a:r>
+              <a:rPr lang="en-US" b="1" dirty="0">
+                <a:solidFill>
+                  <a:schemeClr val="tx1"/>
+                </a:solidFill>
+                <a:latin typeface="Times New Roman" panose="02020603050405020304" pitchFamily="18" charset="0"/>
+                <a:cs typeface="Times New Roman" panose="02020603050405020304" pitchFamily="18" charset="0"/>
+              </a:rPr>
+              <a:t>CONCLUSION</a:t>
+            </a:r>
+            <a:endParaRPr lang="en-GB" dirty="0">
+              <a:solidFill>
+                <a:schemeClr val="tx1"/>
+              </a:solidFill>
+              <a:latin typeface="Times New Roman" panose="02020603050405020304" pitchFamily="18" charset="0"/>
+              <a:cs typeface="Times New Roman" panose="02020603050405020304" pitchFamily="18" charset="0"/>
+            </a:endParaRPr>
+          </a:p>
+        </p:txBody>
+      </p:sp>
+      <p:sp>
+        <p:nvSpPr>
+          <p:cNvPr id="5" name="Content Placeholder 2">
+            <a:extLst>
+              <a:ext uri="{FF2B5EF4-FFF2-40B4-BE49-F238E27FC236}">
+                <a16:creationId xmlns:a16="http://schemas.microsoft.com/office/drawing/2014/main" id="{0F1601E0-EDE3-4464-9CFE-42CE8CF91EDC}"/>
+              </a:ext>
+            </a:extLst>
+          </p:cNvPr>
+          <p:cNvSpPr>
+            <a:spLocks noGrp="1"/>
+          </p:cNvSpPr>
+          <p:nvPr>
+            <p:ph idx="1"/>
+          </p:nvPr>
+        </p:nvSpPr>
+        <p:spPr>
+          <a:xfrm>
+            <a:off x="473122" y="1651379"/>
+            <a:ext cx="11245755" cy="4585648"/>
+          </a:xfrm>
+          <a:solidFill>
+            <a:schemeClr val="bg1"/>
+          </a:solidFill>
+          <a:ln>
+            <a:noFill/>
+          </a:ln>
+        </p:spPr>
+        <p:txBody>
+          <a:bodyPr>
+            <a:noAutofit/>
+          </a:bodyPr>
+          <a:lstStyle/>
+          <a:p>
+            <a:pPr algn="just">
+              <a:lnSpc>
+                <a:spcPct val="150000"/>
+              </a:lnSpc>
+            </a:pPr>
+            <a:r>
+              <a:rPr lang="en-US" sz="3200" dirty="0">
+                <a:solidFill>
+                  <a:schemeClr val="tx1"/>
+                </a:solidFill>
+                <a:latin typeface="Times" panose="02020603050405020304" pitchFamily="18" charset="0"/>
+              </a:rPr>
+              <a:t>This study revealed that the population of nematodes in the different sampled soils differed. The differences were as a result of the agroecological disparity in the different study areas. Nematodes population was higher in the forest </a:t>
+            </a:r>
+            <a:r>
+              <a:rPr lang="en-US" sz="3200" dirty="0" err="1">
+                <a:solidFill>
+                  <a:schemeClr val="tx1"/>
+                </a:solidFill>
+                <a:latin typeface="Times" panose="02020603050405020304" pitchFamily="18" charset="0"/>
+              </a:rPr>
+              <a:t>agro</a:t>
+            </a:r>
+            <a:r>
+              <a:rPr lang="en-US" sz="3200" dirty="0">
+                <a:solidFill>
+                  <a:schemeClr val="tx1"/>
+                </a:solidFill>
+                <a:latin typeface="Times" panose="02020603050405020304" pitchFamily="18" charset="0"/>
+              </a:rPr>
+              <a:t>-ecology than the savanna </a:t>
+            </a:r>
+            <a:r>
+              <a:rPr lang="en-US" sz="3200" dirty="0" err="1">
+                <a:solidFill>
+                  <a:schemeClr val="tx1"/>
+                </a:solidFill>
+                <a:latin typeface="Times" panose="02020603050405020304" pitchFamily="18" charset="0"/>
+              </a:rPr>
+              <a:t>agro</a:t>
+            </a:r>
+            <a:r>
+              <a:rPr lang="en-US" sz="3200" dirty="0">
+                <a:solidFill>
+                  <a:schemeClr val="tx1"/>
+                </a:solidFill>
+                <a:latin typeface="Times" panose="02020603050405020304" pitchFamily="18" charset="0"/>
+              </a:rPr>
+              <a:t>-ecology. </a:t>
+            </a:r>
+            <a:r>
+              <a:rPr lang="en-US" sz="3200" i="1" dirty="0">
+                <a:solidFill>
+                  <a:schemeClr val="tx1"/>
+                </a:solidFill>
+                <a:latin typeface="Times" panose="02020603050405020304" pitchFamily="18" charset="0"/>
+              </a:rPr>
+              <a:t>Meloidogyne sp. </a:t>
+            </a:r>
+            <a:r>
+              <a:rPr lang="en-US" sz="3200" dirty="0">
+                <a:solidFill>
+                  <a:schemeClr val="tx1"/>
+                </a:solidFill>
+                <a:latin typeface="Times" panose="02020603050405020304" pitchFamily="18" charset="0"/>
+              </a:rPr>
+              <a:t>and</a:t>
+            </a:r>
+            <a:r>
+              <a:rPr lang="en-US" sz="3200" i="1" dirty="0">
+                <a:solidFill>
+                  <a:schemeClr val="tx1"/>
+                </a:solidFill>
+                <a:latin typeface="Times" panose="02020603050405020304" pitchFamily="18" charset="0"/>
+              </a:rPr>
+              <a:t> Pratylenchids sp. </a:t>
+            </a:r>
+            <a:r>
+              <a:rPr lang="en-US" sz="3200" dirty="0">
+                <a:solidFill>
+                  <a:schemeClr val="tx1"/>
+                </a:solidFill>
+                <a:latin typeface="Times" panose="02020603050405020304" pitchFamily="18" charset="0"/>
+              </a:rPr>
+              <a:t>were the most predominant nematodes in most of the crops in the sampled soils. </a:t>
+            </a:r>
+            <a:endParaRPr lang="en-GB" sz="3200" dirty="0">
+              <a:solidFill>
+                <a:schemeClr val="tx1"/>
+              </a:solidFill>
+              <a:latin typeface="Times" panose="02020603050405020304" pitchFamily="18" charset="0"/>
+            </a:endParaRPr>
+          </a:p>
+        </p:txBody>
+      </p:sp>
+    </p:spTree>
+    <p:extLst>
+      <p:ext uri="{BB962C8B-B14F-4D97-AF65-F5344CB8AC3E}">
+        <p14:creationId xmlns:p14="http://schemas.microsoft.com/office/powerpoint/2010/main" val="1019090322"/>
+      </p:ext>
+    </p:extLst>
+  </p:cSld>
+  <p:clrMapOvr>
+    <a:masterClrMapping/>
+  </p:clrMapOvr>
+  <p:transition spd="slow">
+    <p:push dir="u"/>
+  </p:transition>
+</p:sld>
+</file>
+
+<file path=ppt/slides/slide11.xml><?xml version="1.0" encoding="utf-8"?>
+<p:sld xmlns:a="http://schemas.openxmlformats.org/drawingml/2006/main" xmlns:r="http://schemas.openxmlformats.org/officeDocument/2006/relationships" xmlns:p="http://schemas.openxmlformats.org/presentationml/2006/main">
+  <p:cSld>
+    <p:spTree>
+      <p:nvGrpSpPr>
+        <p:cNvPr id="1" name=""/>
+        <p:cNvGrpSpPr/>
+        <p:nvPr/>
+      </p:nvGrpSpPr>
+      <p:grpSpPr>
+        <a:xfrm>
+          <a:off x="0" y="0"/>
+          <a:ext cx="0" cy="0"/>
+          <a:chOff x="0" y="0"/>
+          <a:chExt cx="0" cy="0"/>
+        </a:xfrm>
+      </p:grpSpPr>
+      <p:sp>
+        <p:nvSpPr>
+          <p:cNvPr id="4" name="Title 1">
+            <a:extLst>
+              <a:ext uri="{FF2B5EF4-FFF2-40B4-BE49-F238E27FC236}">
+                <a16:creationId xmlns:a16="http://schemas.microsoft.com/office/drawing/2014/main" id="{52C50768-C7DD-456A-A482-D62AB7832CBE}"/>
+              </a:ext>
+            </a:extLst>
+          </p:cNvPr>
+          <p:cNvSpPr>
+            <a:spLocks noGrp="1"/>
+          </p:cNvSpPr>
+          <p:nvPr>
+            <p:ph type="title"/>
+          </p:nvPr>
+        </p:nvSpPr>
+        <p:spPr>
+          <a:xfrm>
+            <a:off x="810904" y="354482"/>
+            <a:ext cx="10972800" cy="860169"/>
+          </a:xfrm>
+        </p:spPr>
+        <p:txBody>
+          <a:bodyPr>
+            <a:normAutofit/>
+          </a:bodyPr>
+          <a:lstStyle/>
+          <a:p>
+            <a:pPr algn="ctr"/>
+            <a:r>
+              <a:rPr lang="en-US" b="1" dirty="0">
+                <a:solidFill>
+                  <a:schemeClr val="tx1"/>
+                </a:solidFill>
+                <a:latin typeface="Times New Roman" panose="02020603050405020304" pitchFamily="18" charset="0"/>
+                <a:cs typeface="Times New Roman" panose="02020603050405020304" pitchFamily="18" charset="0"/>
+              </a:rPr>
+              <a:t>RECOMMENDATIONS</a:t>
+            </a:r>
+            <a:endParaRPr lang="en-GB" dirty="0">
+              <a:solidFill>
+                <a:schemeClr val="tx1"/>
+              </a:solidFill>
+              <a:latin typeface="Times New Roman" panose="02020603050405020304" pitchFamily="18" charset="0"/>
+              <a:cs typeface="Times New Roman" panose="02020603050405020304" pitchFamily="18" charset="0"/>
+            </a:endParaRPr>
+          </a:p>
+        </p:txBody>
+      </p:sp>
+      <p:sp>
+        <p:nvSpPr>
+          <p:cNvPr id="5" name="Content Placeholder 2">
+            <a:extLst>
+              <a:ext uri="{FF2B5EF4-FFF2-40B4-BE49-F238E27FC236}">
+                <a16:creationId xmlns:a16="http://schemas.microsoft.com/office/drawing/2014/main" id="{3F562630-5819-4358-B256-6043019092D6}"/>
+              </a:ext>
+            </a:extLst>
+          </p:cNvPr>
+          <p:cNvSpPr>
+            <a:spLocks noGrp="1"/>
+          </p:cNvSpPr>
+          <p:nvPr>
+            <p:ph idx="1"/>
+          </p:nvPr>
+        </p:nvSpPr>
+        <p:spPr>
+          <a:xfrm>
+            <a:off x="473122" y="1310185"/>
+            <a:ext cx="11245755" cy="4926842"/>
+          </a:xfrm>
+          <a:solidFill>
+            <a:schemeClr val="bg1"/>
+          </a:solidFill>
+          <a:ln>
+            <a:noFill/>
+          </a:ln>
+        </p:spPr>
+        <p:txBody>
+          <a:bodyPr>
+            <a:noAutofit/>
+          </a:bodyPr>
+          <a:lstStyle/>
+          <a:p>
+            <a:pPr marL="463550" indent="-409575" algn="just">
+              <a:lnSpc>
+                <a:spcPct val="100000"/>
+              </a:lnSpc>
+              <a:buFont typeface="Wingdings" panose="05000000000000000000" pitchFamily="2" charset="2"/>
+              <a:buChar char="§"/>
+            </a:pPr>
+            <a:r>
+              <a:rPr lang="en-US" sz="2400" dirty="0">
+                <a:solidFill>
+                  <a:schemeClr val="tx1"/>
+                </a:solidFill>
+                <a:latin typeface="Times" panose="02020603050405020304" pitchFamily="18" charset="0"/>
+              </a:rPr>
+              <a:t>Establish a regular monitoring and surveillance program to assess nematode populations and their distribution in groundnut fields. This will help in early detection and timely intervention.</a:t>
+            </a:r>
+            <a:endParaRPr lang="en-GB" sz="2400" dirty="0">
+              <a:solidFill>
+                <a:schemeClr val="tx1"/>
+              </a:solidFill>
+              <a:latin typeface="Times" panose="02020603050405020304" pitchFamily="18" charset="0"/>
+            </a:endParaRPr>
+          </a:p>
+          <a:p>
+            <a:pPr marL="463550" indent="-409575" algn="just">
+              <a:lnSpc>
+                <a:spcPct val="100000"/>
+              </a:lnSpc>
+              <a:buFont typeface="Wingdings" panose="05000000000000000000" pitchFamily="2" charset="2"/>
+              <a:buChar char="§"/>
+            </a:pPr>
+            <a:r>
+              <a:rPr lang="en-US" sz="2400" dirty="0">
+                <a:solidFill>
+                  <a:schemeClr val="tx1"/>
+                </a:solidFill>
+                <a:latin typeface="Times" panose="02020603050405020304" pitchFamily="18" charset="0"/>
+              </a:rPr>
+              <a:t>Promote crop rotation practices that include non-host crops for nematodes in the farming systems. Crop rotation disrupts the nematode life cycle and can help reduce nematode populations.</a:t>
+            </a:r>
+            <a:endParaRPr lang="en-GB" sz="2400" dirty="0">
+              <a:solidFill>
+                <a:schemeClr val="tx1"/>
+              </a:solidFill>
+              <a:latin typeface="Times" panose="02020603050405020304" pitchFamily="18" charset="0"/>
+            </a:endParaRPr>
+          </a:p>
+          <a:p>
+            <a:pPr marL="463550" indent="-409575" algn="just">
+              <a:lnSpc>
+                <a:spcPct val="100000"/>
+              </a:lnSpc>
+              <a:buFont typeface="Wingdings" panose="05000000000000000000" pitchFamily="2" charset="2"/>
+              <a:buChar char="§"/>
+            </a:pPr>
+            <a:r>
+              <a:rPr lang="en-US" sz="2400" dirty="0">
+                <a:solidFill>
+                  <a:schemeClr val="tx1"/>
+                </a:solidFill>
+                <a:latin typeface="Times" panose="02020603050405020304" pitchFamily="18" charset="0"/>
+              </a:rPr>
+              <a:t>Encourage the cultivation of groundnut varieties that exhibit resistance or tolerance to specific nematode species. Breeding programs should focus on developing nematode-resistant groundnut cultivars.</a:t>
+            </a:r>
+            <a:endParaRPr lang="en-GB" sz="2400" dirty="0">
+              <a:solidFill>
+                <a:schemeClr val="tx1"/>
+              </a:solidFill>
+              <a:latin typeface="Times" panose="02020603050405020304" pitchFamily="18" charset="0"/>
+            </a:endParaRPr>
+          </a:p>
+          <a:p>
+            <a:pPr marL="463550" indent="-409575" algn="just">
+              <a:lnSpc>
+                <a:spcPct val="100000"/>
+              </a:lnSpc>
+              <a:buFont typeface="Wingdings" panose="05000000000000000000" pitchFamily="2" charset="2"/>
+              <a:buChar char="§"/>
+            </a:pPr>
+            <a:r>
+              <a:rPr lang="en-US" sz="2400" dirty="0">
+                <a:solidFill>
+                  <a:schemeClr val="tx1"/>
+                </a:solidFill>
+                <a:latin typeface="Times" panose="02020603050405020304" pitchFamily="18" charset="0"/>
+              </a:rPr>
+              <a:t>Implement integrated pest management strategies that combine various approaches, including the use of biological control agents, organic soil amendments, and judicious use of nematicides to reduce nematode populations.</a:t>
+            </a:r>
+            <a:endParaRPr lang="en-GB" sz="2400" dirty="0">
+              <a:solidFill>
+                <a:schemeClr val="tx1"/>
+              </a:solidFill>
+              <a:latin typeface="Times" panose="02020603050405020304" pitchFamily="18" charset="0"/>
+            </a:endParaRPr>
+          </a:p>
+        </p:txBody>
+      </p:sp>
+    </p:spTree>
+    <p:extLst>
+      <p:ext uri="{BB962C8B-B14F-4D97-AF65-F5344CB8AC3E}">
+        <p14:creationId xmlns:p14="http://schemas.microsoft.com/office/powerpoint/2010/main" val="3843773471"/>
+      </p:ext>
+    </p:extLst>
+  </p:cSld>
+  <p:clrMapOvr>
+    <a:masterClrMapping/>
+  </p:clrMapOvr>
+  <p:transition spd="slow">
+    <p:push dir="u"/>
+  </p:transition>
+</p:sld>
+</file>
+
+<file path=ppt/slides/slide12.xml><?xml version="1.0" encoding="utf-8"?>
+<p:sld xmlns:a="http://schemas.openxmlformats.org/drawingml/2006/main" xmlns:r="http://schemas.openxmlformats.org/officeDocument/2006/relationships" xmlns:p="http://schemas.openxmlformats.org/presentationml/2006/main">
+  <p:cSld>
+    <p:spTree>
+      <p:nvGrpSpPr>
+        <p:cNvPr id="1" name=""/>
+        <p:cNvGrpSpPr/>
+        <p:nvPr/>
+      </p:nvGrpSpPr>
+      <p:grpSpPr>
+        <a:xfrm>
+          <a:off x="0" y="0"/>
+          <a:ext cx="0" cy="0"/>
+          <a:chOff x="0" y="0"/>
+          <a:chExt cx="0" cy="0"/>
+        </a:xfrm>
+      </p:grpSpPr>
+      <p:sp>
+        <p:nvSpPr>
+          <p:cNvPr id="2" name="Title 1">
+            <a:extLst>
+              <a:ext uri="{FF2B5EF4-FFF2-40B4-BE49-F238E27FC236}">
+                <a16:creationId xmlns:a16="http://schemas.microsoft.com/office/drawing/2014/main" id="{998E07FE-588B-4392-99B8-331E35FFB18E}"/>
+              </a:ext>
+            </a:extLst>
+          </p:cNvPr>
+          <p:cNvSpPr>
+            <a:spLocks noGrp="1"/>
+          </p:cNvSpPr>
+          <p:nvPr>
+            <p:ph type="title"/>
+          </p:nvPr>
+        </p:nvSpPr>
+        <p:spPr>
+          <a:xfrm>
+            <a:off x="1097280" y="286604"/>
+            <a:ext cx="10058400" cy="900752"/>
+          </a:xfrm>
+        </p:spPr>
+        <p:txBody>
+          <a:bodyPr/>
+          <a:lstStyle/>
+          <a:p>
+            <a:r>
+              <a:rPr lang="en-US" b="1" dirty="0">
+                <a:solidFill>
+                  <a:schemeClr val="tx1"/>
+                </a:solidFill>
+                <a:latin typeface="Times New Roman" panose="02020603050405020304" pitchFamily="18" charset="0"/>
+                <a:cs typeface="Times New Roman" panose="02020603050405020304" pitchFamily="18" charset="0"/>
+              </a:rPr>
+              <a:t>REFERENCES</a:t>
+            </a:r>
+            <a:endParaRPr lang="en-GB" b="1" dirty="0">
+              <a:solidFill>
+                <a:schemeClr val="tx1"/>
+              </a:solidFill>
+              <a:latin typeface="Times New Roman" panose="02020603050405020304" pitchFamily="18" charset="0"/>
+              <a:cs typeface="Times New Roman" panose="02020603050405020304" pitchFamily="18" charset="0"/>
+            </a:endParaRPr>
+          </a:p>
+        </p:txBody>
+      </p:sp>
+      <p:sp>
+        <p:nvSpPr>
+          <p:cNvPr id="3" name="Content Placeholder 2">
+            <a:extLst>
+              <a:ext uri="{FF2B5EF4-FFF2-40B4-BE49-F238E27FC236}">
+                <a16:creationId xmlns:a16="http://schemas.microsoft.com/office/drawing/2014/main" id="{417C480A-D6E7-4713-9805-AB7809F35838}"/>
+              </a:ext>
+            </a:extLst>
+          </p:cNvPr>
+          <p:cNvSpPr>
+            <a:spLocks noGrp="1"/>
+          </p:cNvSpPr>
+          <p:nvPr>
+            <p:ph idx="1"/>
+          </p:nvPr>
+        </p:nvSpPr>
+        <p:spPr/>
+        <p:txBody>
+          <a:bodyPr>
+            <a:normAutofit fontScale="92500" lnSpcReduction="20000"/>
+          </a:bodyPr>
+          <a:lstStyle/>
+          <a:p>
+            <a:pPr marL="463550" indent="-463550">
+              <a:buNone/>
+            </a:pPr>
+            <a:r>
+              <a:rPr lang="en-US" dirty="0" err="1">
+                <a:solidFill>
+                  <a:schemeClr val="tx1"/>
+                </a:solidFill>
+                <a:latin typeface="Times New Roman" panose="02020603050405020304" pitchFamily="18" charset="0"/>
+                <a:cs typeface="Times New Roman" panose="02020603050405020304" pitchFamily="18" charset="0"/>
+              </a:rPr>
+              <a:t>Afolami</a:t>
+            </a:r>
+            <a:r>
+              <a:rPr lang="en-US" dirty="0">
+                <a:solidFill>
+                  <a:schemeClr val="tx1"/>
+                </a:solidFill>
+                <a:latin typeface="Times New Roman" panose="02020603050405020304" pitchFamily="18" charset="0"/>
+                <a:cs typeface="Times New Roman" panose="02020603050405020304" pitchFamily="18" charset="0"/>
+              </a:rPr>
+              <a:t>, S. O., Idowu, A. B., &amp; </a:t>
+            </a:r>
+            <a:r>
+              <a:rPr lang="en-US" dirty="0" err="1">
+                <a:solidFill>
+                  <a:schemeClr val="tx1"/>
+                </a:solidFill>
+                <a:latin typeface="Times New Roman" panose="02020603050405020304" pitchFamily="18" charset="0"/>
+                <a:cs typeface="Times New Roman" panose="02020603050405020304" pitchFamily="18" charset="0"/>
+              </a:rPr>
+              <a:t>Olabiyi</a:t>
+            </a:r>
+            <a:r>
+              <a:rPr lang="en-US" dirty="0">
+                <a:solidFill>
+                  <a:schemeClr val="tx1"/>
+                </a:solidFill>
+                <a:latin typeface="Times New Roman" panose="02020603050405020304" pitchFamily="18" charset="0"/>
+                <a:cs typeface="Times New Roman" panose="02020603050405020304" pitchFamily="18" charset="0"/>
+              </a:rPr>
+              <a:t>, T. I. (2014). Occurrence and distribution of plant-parasitic nematodes on sugarcane (Saccharum spp.) in Ogun State, Nigeria. </a:t>
+            </a:r>
+            <a:r>
+              <a:rPr lang="en-US" i="1" dirty="0">
+                <a:solidFill>
+                  <a:schemeClr val="tx1"/>
+                </a:solidFill>
+                <a:latin typeface="Times New Roman" panose="02020603050405020304" pitchFamily="18" charset="0"/>
+                <a:cs typeface="Times New Roman" panose="02020603050405020304" pitchFamily="18" charset="0"/>
+              </a:rPr>
+              <a:t>African Journal of Agricultural Research,</a:t>
+            </a:r>
+            <a:r>
+              <a:rPr lang="en-US" dirty="0">
+                <a:solidFill>
+                  <a:schemeClr val="tx1"/>
+                </a:solidFill>
+                <a:latin typeface="Times New Roman" panose="02020603050405020304" pitchFamily="18" charset="0"/>
+                <a:cs typeface="Times New Roman" panose="02020603050405020304" pitchFamily="18" charset="0"/>
+              </a:rPr>
+              <a:t> 9(29), 2257-2261.</a:t>
+            </a:r>
+            <a:endParaRPr lang="en-GB" dirty="0">
+              <a:solidFill>
+                <a:schemeClr val="tx1"/>
+              </a:solidFill>
+              <a:latin typeface="Times New Roman" panose="02020603050405020304" pitchFamily="18" charset="0"/>
+              <a:cs typeface="Times New Roman" panose="02020603050405020304" pitchFamily="18" charset="0"/>
+            </a:endParaRPr>
+          </a:p>
+          <a:p>
+            <a:pPr marL="463550" indent="-463550">
+              <a:buNone/>
+            </a:pPr>
+            <a:r>
+              <a:rPr lang="en-US" dirty="0">
+                <a:solidFill>
+                  <a:schemeClr val="tx1"/>
+                </a:solidFill>
+                <a:latin typeface="Times New Roman" panose="02020603050405020304" pitchFamily="18" charset="0"/>
+                <a:cs typeface="Times New Roman" panose="02020603050405020304" pitchFamily="18" charset="0"/>
+              </a:rPr>
+              <a:t>Baba, M. M., Ibrahim, I. A., </a:t>
+            </a:r>
+            <a:r>
+              <a:rPr lang="en-US" dirty="0" err="1">
+                <a:solidFill>
+                  <a:schemeClr val="tx1"/>
+                </a:solidFill>
+                <a:latin typeface="Times New Roman" panose="02020603050405020304" pitchFamily="18" charset="0"/>
+                <a:cs typeface="Times New Roman" panose="02020603050405020304" pitchFamily="18" charset="0"/>
+              </a:rPr>
+              <a:t>Adefila</a:t>
+            </a:r>
+            <a:r>
+              <a:rPr lang="en-US" dirty="0">
+                <a:solidFill>
+                  <a:schemeClr val="tx1"/>
+                </a:solidFill>
+                <a:latin typeface="Times New Roman" panose="02020603050405020304" pitchFamily="18" charset="0"/>
+                <a:cs typeface="Times New Roman" panose="02020603050405020304" pitchFamily="18" charset="0"/>
+              </a:rPr>
+              <a:t>, F. S., &amp; Ibrahim, A. O. (2018). Nematodes associated with yam (</a:t>
+            </a:r>
+            <a:r>
+              <a:rPr lang="en-US" dirty="0" err="1">
+                <a:solidFill>
+                  <a:schemeClr val="tx1"/>
+                </a:solidFill>
+                <a:latin typeface="Times New Roman" panose="02020603050405020304" pitchFamily="18" charset="0"/>
+                <a:cs typeface="Times New Roman" panose="02020603050405020304" pitchFamily="18" charset="0"/>
+              </a:rPr>
+              <a:t>Dioscorea</a:t>
+            </a:r>
+            <a:r>
+              <a:rPr lang="en-US" dirty="0">
+                <a:solidFill>
+                  <a:schemeClr val="tx1"/>
+                </a:solidFill>
+                <a:latin typeface="Times New Roman" panose="02020603050405020304" pitchFamily="18" charset="0"/>
+                <a:cs typeface="Times New Roman" panose="02020603050405020304" pitchFamily="18" charset="0"/>
+              </a:rPr>
+              <a:t> spp.) in </a:t>
+            </a:r>
+            <a:r>
+              <a:rPr lang="en-US" dirty="0" err="1">
+                <a:solidFill>
+                  <a:schemeClr val="tx1"/>
+                </a:solidFill>
+                <a:latin typeface="Times New Roman" panose="02020603050405020304" pitchFamily="18" charset="0"/>
+                <a:cs typeface="Times New Roman" panose="02020603050405020304" pitchFamily="18" charset="0"/>
+              </a:rPr>
+              <a:t>Zuru</a:t>
+            </a:r>
+            <a:r>
+              <a:rPr lang="en-US" dirty="0">
+                <a:solidFill>
+                  <a:schemeClr val="tx1"/>
+                </a:solidFill>
+                <a:latin typeface="Times New Roman" panose="02020603050405020304" pitchFamily="18" charset="0"/>
+                <a:cs typeface="Times New Roman" panose="02020603050405020304" pitchFamily="18" charset="0"/>
+              </a:rPr>
+              <a:t>, Kebbi State, Nigeria. </a:t>
+            </a:r>
+            <a:r>
+              <a:rPr lang="en-US" i="1" dirty="0">
+                <a:solidFill>
+                  <a:schemeClr val="tx1"/>
+                </a:solidFill>
+                <a:latin typeface="Times New Roman" panose="02020603050405020304" pitchFamily="18" charset="0"/>
+                <a:cs typeface="Times New Roman" panose="02020603050405020304" pitchFamily="18" charset="0"/>
+              </a:rPr>
+              <a:t>Journal of Plant Protection Research</a:t>
+            </a:r>
+            <a:r>
+              <a:rPr lang="en-US" dirty="0">
+                <a:solidFill>
+                  <a:schemeClr val="tx1"/>
+                </a:solidFill>
+                <a:latin typeface="Times New Roman" panose="02020603050405020304" pitchFamily="18" charset="0"/>
+                <a:cs typeface="Times New Roman" panose="02020603050405020304" pitchFamily="18" charset="0"/>
+              </a:rPr>
+              <a:t>, 58(1), 73-78.</a:t>
+            </a:r>
+            <a:endParaRPr lang="en-GB" dirty="0">
+              <a:solidFill>
+                <a:schemeClr val="tx1"/>
+              </a:solidFill>
+              <a:latin typeface="Times New Roman" panose="02020603050405020304" pitchFamily="18" charset="0"/>
+              <a:cs typeface="Times New Roman" panose="02020603050405020304" pitchFamily="18" charset="0"/>
+            </a:endParaRPr>
+          </a:p>
+          <a:p>
+            <a:pPr marL="463550" indent="-463550">
+              <a:buNone/>
+            </a:pPr>
+            <a:r>
+              <a:rPr lang="en-US" dirty="0">
+                <a:solidFill>
+                  <a:schemeClr val="tx1"/>
+                </a:solidFill>
+                <a:latin typeface="Times New Roman" panose="02020603050405020304" pitchFamily="18" charset="0"/>
+                <a:cs typeface="Times New Roman" panose="02020603050405020304" pitchFamily="18" charset="0"/>
+              </a:rPr>
+              <a:t>Chitwood, D. J. (2002). Phylogenetic relationships of the nematode genera of the family </a:t>
+            </a:r>
+            <a:r>
+              <a:rPr lang="en-US" dirty="0" err="1">
+                <a:solidFill>
+                  <a:schemeClr val="tx1"/>
+                </a:solidFill>
+                <a:latin typeface="Times New Roman" panose="02020603050405020304" pitchFamily="18" charset="0"/>
+                <a:cs typeface="Times New Roman" panose="02020603050405020304" pitchFamily="18" charset="0"/>
+              </a:rPr>
+              <a:t>Hoplolaimidae</a:t>
+            </a:r>
+            <a:r>
+              <a:rPr lang="en-US" dirty="0">
+                <a:solidFill>
+                  <a:schemeClr val="tx1"/>
+                </a:solidFill>
+                <a:latin typeface="Times New Roman" panose="02020603050405020304" pitchFamily="18" charset="0"/>
+                <a:cs typeface="Times New Roman" panose="02020603050405020304" pitchFamily="18" charset="0"/>
+              </a:rPr>
+              <a:t> (Nematoda: </a:t>
+            </a:r>
+            <a:r>
+              <a:rPr lang="en-US" dirty="0" err="1">
+                <a:solidFill>
+                  <a:schemeClr val="tx1"/>
+                </a:solidFill>
+                <a:latin typeface="Times New Roman" panose="02020603050405020304" pitchFamily="18" charset="0"/>
+                <a:cs typeface="Times New Roman" panose="02020603050405020304" pitchFamily="18" charset="0"/>
+              </a:rPr>
+              <a:t>Tylenchida</a:t>
+            </a:r>
+            <a:r>
+              <a:rPr lang="en-US" dirty="0">
+                <a:solidFill>
+                  <a:schemeClr val="tx1"/>
+                </a:solidFill>
+                <a:latin typeface="Times New Roman" panose="02020603050405020304" pitchFamily="18" charset="0"/>
+                <a:cs typeface="Times New Roman" panose="02020603050405020304" pitchFamily="18" charset="0"/>
+              </a:rPr>
+              <a:t>). </a:t>
+            </a:r>
+            <a:r>
+              <a:rPr lang="en-US" i="1" dirty="0">
+                <a:solidFill>
+                  <a:schemeClr val="tx1"/>
+                </a:solidFill>
+                <a:latin typeface="Times New Roman" panose="02020603050405020304" pitchFamily="18" charset="0"/>
+                <a:cs typeface="Times New Roman" panose="02020603050405020304" pitchFamily="18" charset="0"/>
+              </a:rPr>
+              <a:t>Journal of Nematology</a:t>
+            </a:r>
+            <a:r>
+              <a:rPr lang="en-US" dirty="0">
+                <a:solidFill>
+                  <a:schemeClr val="tx1"/>
+                </a:solidFill>
+                <a:latin typeface="Times New Roman" panose="02020603050405020304" pitchFamily="18" charset="0"/>
+                <a:cs typeface="Times New Roman" panose="02020603050405020304" pitchFamily="18" charset="0"/>
+              </a:rPr>
+              <a:t>, 34(1), 8–14.</a:t>
+            </a:r>
+          </a:p>
+          <a:p>
+            <a:pPr marL="463550" indent="-463550">
+              <a:buNone/>
+            </a:pPr>
+            <a:r>
+              <a:rPr lang="en-US" dirty="0">
+                <a:solidFill>
+                  <a:schemeClr val="tx1"/>
+                </a:solidFill>
+                <a:latin typeface="Times New Roman" panose="02020603050405020304" pitchFamily="18" charset="0"/>
+                <a:cs typeface="Times New Roman" panose="02020603050405020304" pitchFamily="18" charset="0"/>
+              </a:rPr>
+              <a:t>Chitwood, D. J. (2003). Research on plant-parasitic nematode biology conducted by the United States Department of Agriculture-Agricultural Research Service. </a:t>
+            </a:r>
+            <a:r>
+              <a:rPr lang="en-US" i="1" dirty="0">
+                <a:solidFill>
+                  <a:schemeClr val="tx1"/>
+                </a:solidFill>
+                <a:latin typeface="Times New Roman" panose="02020603050405020304" pitchFamily="18" charset="0"/>
+                <a:cs typeface="Times New Roman" panose="02020603050405020304" pitchFamily="18" charset="0"/>
+              </a:rPr>
+              <a:t>Pest Management Science</a:t>
+            </a:r>
+            <a:r>
+              <a:rPr lang="en-US" dirty="0">
+                <a:solidFill>
+                  <a:schemeClr val="tx1"/>
+                </a:solidFill>
+                <a:latin typeface="Times New Roman" panose="02020603050405020304" pitchFamily="18" charset="0"/>
+                <a:cs typeface="Times New Roman" panose="02020603050405020304" pitchFamily="18" charset="0"/>
+              </a:rPr>
+              <a:t>, 59(6-7), 748–753.</a:t>
+            </a:r>
+            <a:endParaRPr lang="en-GB" dirty="0">
+              <a:solidFill>
+                <a:schemeClr val="tx1"/>
+              </a:solidFill>
+              <a:latin typeface="Times New Roman" panose="02020603050405020304" pitchFamily="18" charset="0"/>
+              <a:cs typeface="Times New Roman" panose="02020603050405020304" pitchFamily="18" charset="0"/>
+            </a:endParaRPr>
+          </a:p>
+          <a:p>
+            <a:pPr marL="463550" indent="-463550">
+              <a:buNone/>
+            </a:pPr>
+            <a:r>
+              <a:rPr lang="en-US" dirty="0" err="1">
+                <a:solidFill>
+                  <a:schemeClr val="tx1"/>
+                </a:solidFill>
+                <a:latin typeface="Times New Roman" panose="02020603050405020304" pitchFamily="18" charset="0"/>
+                <a:cs typeface="Times New Roman" panose="02020603050405020304" pitchFamily="18" charset="0"/>
+              </a:rPr>
+              <a:t>Egunjobi</a:t>
+            </a:r>
+            <a:r>
+              <a:rPr lang="en-US" dirty="0">
+                <a:solidFill>
+                  <a:schemeClr val="tx1"/>
+                </a:solidFill>
+                <a:latin typeface="Times New Roman" panose="02020603050405020304" pitchFamily="18" charset="0"/>
+                <a:cs typeface="Times New Roman" panose="02020603050405020304" pitchFamily="18" charset="0"/>
+              </a:rPr>
+              <a:t>, J. K. (2014). Plant-parasitic nematodes associated with the roots of African yam bean (</a:t>
+            </a:r>
+            <a:r>
+              <a:rPr lang="en-US" dirty="0" err="1">
+                <a:solidFill>
+                  <a:schemeClr val="tx1"/>
+                </a:solidFill>
+                <a:latin typeface="Times New Roman" panose="02020603050405020304" pitchFamily="18" charset="0"/>
+                <a:cs typeface="Times New Roman" panose="02020603050405020304" pitchFamily="18" charset="0"/>
+              </a:rPr>
+              <a:t>Sphenostylis</a:t>
+            </a:r>
+            <a:r>
+              <a:rPr lang="en-US" dirty="0">
+                <a:solidFill>
+                  <a:schemeClr val="tx1"/>
+                </a:solidFill>
+                <a:latin typeface="Times New Roman" panose="02020603050405020304" pitchFamily="18" charset="0"/>
+                <a:cs typeface="Times New Roman" panose="02020603050405020304" pitchFamily="18" charset="0"/>
+              </a:rPr>
+              <a:t> </a:t>
+            </a:r>
+            <a:r>
+              <a:rPr lang="en-US" dirty="0" err="1">
+                <a:solidFill>
+                  <a:schemeClr val="tx1"/>
+                </a:solidFill>
+                <a:latin typeface="Times New Roman" panose="02020603050405020304" pitchFamily="18" charset="0"/>
+                <a:cs typeface="Times New Roman" panose="02020603050405020304" pitchFamily="18" charset="0"/>
+              </a:rPr>
+              <a:t>stenocarpa</a:t>
+            </a:r>
+            <a:r>
+              <a:rPr lang="en-US" dirty="0">
+                <a:solidFill>
+                  <a:schemeClr val="tx1"/>
+                </a:solidFill>
+                <a:latin typeface="Times New Roman" panose="02020603050405020304" pitchFamily="18" charset="0"/>
+                <a:cs typeface="Times New Roman" panose="02020603050405020304" pitchFamily="18" charset="0"/>
+              </a:rPr>
+              <a:t>) in Nigeria. </a:t>
+            </a:r>
+            <a:r>
+              <a:rPr lang="en-US" i="1" dirty="0">
+                <a:solidFill>
+                  <a:schemeClr val="tx1"/>
+                </a:solidFill>
+                <a:latin typeface="Times New Roman" panose="02020603050405020304" pitchFamily="18" charset="0"/>
+                <a:cs typeface="Times New Roman" panose="02020603050405020304" pitchFamily="18" charset="0"/>
+              </a:rPr>
+              <a:t>Journal of Plant Diseases and Protection</a:t>
+            </a:r>
+            <a:r>
+              <a:rPr lang="en-US" dirty="0">
+                <a:solidFill>
+                  <a:schemeClr val="tx1"/>
+                </a:solidFill>
+                <a:latin typeface="Times New Roman" panose="02020603050405020304" pitchFamily="18" charset="0"/>
+                <a:cs typeface="Times New Roman" panose="02020603050405020304" pitchFamily="18" charset="0"/>
+              </a:rPr>
+              <a:t>, 121(2), 87-91.</a:t>
+            </a:r>
+            <a:endParaRPr lang="en-GB" dirty="0">
+              <a:solidFill>
+                <a:schemeClr val="tx1"/>
+              </a:solidFill>
+              <a:latin typeface="Times New Roman" panose="02020603050405020304" pitchFamily="18" charset="0"/>
+              <a:cs typeface="Times New Roman" panose="02020603050405020304" pitchFamily="18" charset="0"/>
+            </a:endParaRPr>
+          </a:p>
+          <a:p>
+            <a:pPr marL="463550" indent="-463550">
+              <a:buNone/>
+            </a:pPr>
+            <a:r>
+              <a:rPr lang="en-US" dirty="0" err="1">
+                <a:solidFill>
+                  <a:schemeClr val="tx1"/>
+                </a:solidFill>
+                <a:latin typeface="Times New Roman" panose="02020603050405020304" pitchFamily="18" charset="0"/>
+                <a:cs typeface="Times New Roman" panose="02020603050405020304" pitchFamily="18" charset="0"/>
+              </a:rPr>
+              <a:t>Eisenback</a:t>
+            </a:r>
+            <a:r>
+              <a:rPr lang="en-US" dirty="0">
+                <a:solidFill>
+                  <a:schemeClr val="tx1"/>
+                </a:solidFill>
+                <a:latin typeface="Times New Roman" panose="02020603050405020304" pitchFamily="18" charset="0"/>
+                <a:cs typeface="Times New Roman" panose="02020603050405020304" pitchFamily="18" charset="0"/>
+              </a:rPr>
+              <a:t>, J. D., &amp; Hunt, D. J. (2009). Nematode identification and systematic. In J. J. Perry &amp; M. </a:t>
+            </a:r>
+            <a:r>
+              <a:rPr lang="en-US" dirty="0" err="1">
+                <a:solidFill>
+                  <a:schemeClr val="tx1"/>
+                </a:solidFill>
+                <a:latin typeface="Times New Roman" panose="02020603050405020304" pitchFamily="18" charset="0"/>
+                <a:cs typeface="Times New Roman" panose="02020603050405020304" pitchFamily="18" charset="0"/>
+              </a:rPr>
+              <a:t>Moens</a:t>
+            </a:r>
+            <a:r>
+              <a:rPr lang="en-US" dirty="0">
+                <a:solidFill>
+                  <a:schemeClr val="tx1"/>
+                </a:solidFill>
+                <a:latin typeface="Times New Roman" panose="02020603050405020304" pitchFamily="18" charset="0"/>
+                <a:cs typeface="Times New Roman" panose="02020603050405020304" pitchFamily="18" charset="0"/>
+              </a:rPr>
+              <a:t> (Eds.), </a:t>
+            </a:r>
+            <a:r>
+              <a:rPr lang="en-US" i="1" dirty="0">
+                <a:solidFill>
+                  <a:schemeClr val="tx1"/>
+                </a:solidFill>
+                <a:latin typeface="Times New Roman" panose="02020603050405020304" pitchFamily="18" charset="0"/>
+                <a:cs typeface="Times New Roman" panose="02020603050405020304" pitchFamily="18" charset="0"/>
+              </a:rPr>
+              <a:t>Plant nematology</a:t>
+            </a:r>
+            <a:r>
+              <a:rPr lang="en-US" dirty="0">
+                <a:solidFill>
+                  <a:schemeClr val="tx1"/>
+                </a:solidFill>
+                <a:latin typeface="Times New Roman" panose="02020603050405020304" pitchFamily="18" charset="0"/>
+                <a:cs typeface="Times New Roman" panose="02020603050405020304" pitchFamily="18" charset="0"/>
+              </a:rPr>
+              <a:t> (pp. 53-83). Wallingford, UK: CAB International.</a:t>
+            </a:r>
+            <a:endParaRPr lang="en-GB" dirty="0">
+              <a:solidFill>
+                <a:schemeClr val="tx1"/>
+              </a:solidFill>
+              <a:latin typeface="Times New Roman" panose="02020603050405020304" pitchFamily="18" charset="0"/>
+              <a:cs typeface="Times New Roman" panose="02020603050405020304" pitchFamily="18" charset="0"/>
+            </a:endParaRPr>
+          </a:p>
+          <a:p>
+            <a:pPr marL="463550" indent="-463550"/>
+            <a:endParaRPr lang="en-GB" dirty="0">
+              <a:solidFill>
+                <a:schemeClr val="tx1"/>
+              </a:solidFill>
+              <a:latin typeface="Times New Roman" panose="02020603050405020304" pitchFamily="18" charset="0"/>
+              <a:cs typeface="Times New Roman" panose="02020603050405020304" pitchFamily="18" charset="0"/>
+            </a:endParaRPr>
+          </a:p>
+        </p:txBody>
+      </p:sp>
+    </p:spTree>
+    <p:extLst>
+      <p:ext uri="{BB962C8B-B14F-4D97-AF65-F5344CB8AC3E}">
+        <p14:creationId xmlns:p14="http://schemas.microsoft.com/office/powerpoint/2010/main" val="1990803133"/>
+      </p:ext>
+    </p:extLst>
+  </p:cSld>
+  <p:clrMapOvr>
+    <a:masterClrMapping/>
+  </p:clrMapOvr>
+  <p:transition spd="slow">
+    <p:push dir="u"/>
+  </p:transition>
+</p:sld>
+</file>
+
+<file path=ppt/slides/slide13.xml><?xml version="1.0" encoding="utf-8"?>
+<p:sld xmlns:a="http://schemas.openxmlformats.org/drawingml/2006/main" xmlns:r="http://schemas.openxmlformats.org/officeDocument/2006/relationships" xmlns:p="http://schemas.openxmlformats.org/presentationml/2006/main">
+  <p:cSld>
+    <p:spTree>
+      <p:nvGrpSpPr>
+        <p:cNvPr id="1" name=""/>
+        <p:cNvGrpSpPr/>
+        <p:nvPr/>
+      </p:nvGrpSpPr>
+      <p:grpSpPr>
+        <a:xfrm>
+          <a:off x="0" y="0"/>
+          <a:ext cx="0" cy="0"/>
+          <a:chOff x="0" y="0"/>
+          <a:chExt cx="0" cy="0"/>
+        </a:xfrm>
+      </p:grpSpPr>
+      <p:sp>
+        <p:nvSpPr>
+          <p:cNvPr id="2" name="Title 1">
+            <a:extLst>
+              <a:ext uri="{FF2B5EF4-FFF2-40B4-BE49-F238E27FC236}">
+                <a16:creationId xmlns:a16="http://schemas.microsoft.com/office/drawing/2014/main" id="{DFBC01B4-A3ED-4A0D-881B-0DD9716479F5}"/>
+              </a:ext>
+            </a:extLst>
+          </p:cNvPr>
+          <p:cNvSpPr>
+            <a:spLocks noGrp="1"/>
+          </p:cNvSpPr>
+          <p:nvPr>
+            <p:ph type="title"/>
+          </p:nvPr>
+        </p:nvSpPr>
+        <p:spPr>
+          <a:xfrm>
+            <a:off x="838200" y="2344051"/>
+            <a:ext cx="10515600" cy="1325563"/>
+          </a:xfrm>
+        </p:spPr>
+        <p:txBody>
+          <a:bodyPr>
+            <a:normAutofit/>
+          </a:bodyPr>
+          <a:lstStyle/>
+          <a:p>
+            <a:pPr algn="ctr"/>
+            <a:r>
+              <a:rPr lang="en-US" sz="6000" b="1" dirty="0">
+                <a:solidFill>
+                  <a:schemeClr val="tx1"/>
+                </a:solidFill>
+                <a:latin typeface="Times New Roman" panose="02020603050405020304" pitchFamily="18" charset="0"/>
+                <a:cs typeface="Times New Roman" panose="02020603050405020304" pitchFamily="18" charset="0"/>
+              </a:rPr>
+              <a:t>THANK YOU!</a:t>
+            </a:r>
+          </a:p>
+        </p:txBody>
+      </p:sp>
+    </p:spTree>
+    <p:extLst>
+      <p:ext uri="{BB962C8B-B14F-4D97-AF65-F5344CB8AC3E}">
+        <p14:creationId xmlns:p14="http://schemas.microsoft.com/office/powerpoint/2010/main" val="637252669"/>
       </p:ext>
     </p:extLst>
   </p:cSld>
@@ -4160,7 +5240,7 @@
         </p:nvSpPr>
         <p:spPr>
           <a:xfrm>
-            <a:off x="1097280" y="286603"/>
+            <a:off x="668741" y="286604"/>
             <a:ext cx="10058400" cy="702303"/>
           </a:xfrm>
         </p:spPr>
@@ -4985,81 +6065,804 @@
           </a:p>
         </p:txBody>
       </p:sp>
-      <p:sp>
-        <p:nvSpPr>
-          <p:cNvPr id="5" name="Content Placeholder 2">
+      <p:graphicFrame>
+        <p:nvGraphicFramePr>
+          <p:cNvPr id="6" name="Table 5">
             <a:extLst>
               <a:ext uri="{FF2B5EF4-FFF2-40B4-BE49-F238E27FC236}">
-                <a16:creationId xmlns:a16="http://schemas.microsoft.com/office/drawing/2014/main" id="{F00DFD2A-71D9-43F3-8D12-317D61600C73}"/>
+                <a16:creationId xmlns:a16="http://schemas.microsoft.com/office/drawing/2014/main" id="{63ED12EA-2775-41C7-967C-A75DE0E4228D}"/>
+              </a:ext>
+            </a:extLst>
+          </p:cNvPr>
+          <p:cNvGraphicFramePr>
+            <a:graphicFrameLocks noGrp="1"/>
+          </p:cNvGraphicFramePr>
+          <p:nvPr>
+            <p:extLst>
+              <p:ext uri="{D42A27DB-BD31-4B8C-83A1-F6EECF244321}">
+                <p14:modId xmlns:p14="http://schemas.microsoft.com/office/powerpoint/2010/main" val="1296930398"/>
+              </p:ext>
+            </p:extLst>
+          </p:nvPr>
+        </p:nvGraphicFramePr>
+        <p:xfrm>
+          <a:off x="705072" y="1662514"/>
+          <a:ext cx="10950116" cy="4506276"/>
+        </p:xfrm>
+        <a:graphic>
+          <a:graphicData uri="http://schemas.openxmlformats.org/drawingml/2006/table">
+            <a:tbl>
+              <a:tblPr firstRow="1" firstCol="1" bandRow="1">
+                <a:tableStyleId>{5C22544A-7EE6-4342-B048-85BDC9FD1C3A}</a:tableStyleId>
+              </a:tblPr>
+              <a:tblGrid>
+                <a:gridCol w="3875801">
+                  <a:extLst>
+                    <a:ext uri="{9D8B030D-6E8A-4147-A177-3AD203B41FA5}">
+                      <a16:colId xmlns:a16="http://schemas.microsoft.com/office/drawing/2014/main" val="2570796209"/>
+                    </a:ext>
+                  </a:extLst>
+                </a:gridCol>
+                <a:gridCol w="4132882">
+                  <a:extLst>
+                    <a:ext uri="{9D8B030D-6E8A-4147-A177-3AD203B41FA5}">
+                      <a16:colId xmlns:a16="http://schemas.microsoft.com/office/drawing/2014/main" val="3832251995"/>
+                    </a:ext>
+                  </a:extLst>
+                </a:gridCol>
+                <a:gridCol w="2941433">
+                  <a:extLst>
+                    <a:ext uri="{9D8B030D-6E8A-4147-A177-3AD203B41FA5}">
+                      <a16:colId xmlns:a16="http://schemas.microsoft.com/office/drawing/2014/main" val="1811989403"/>
+                    </a:ext>
+                  </a:extLst>
+                </a:gridCol>
+              </a:tblGrid>
+              <a:tr h="751046">
+                <a:tc>
+                  <a:txBody>
+                    <a:bodyPr/>
+                    <a:lstStyle/>
+                    <a:p>
+                      <a:pPr marL="0" marR="0" algn="just">
+                        <a:lnSpc>
+                          <a:spcPct val="200000"/>
+                        </a:lnSpc>
+                        <a:spcBef>
+                          <a:spcPts val="1200"/>
+                        </a:spcBef>
+                        <a:spcAft>
+                          <a:spcPts val="0"/>
+                        </a:spcAft>
+                      </a:pPr>
+                      <a:r>
+                        <a:rPr lang="en-US" sz="2400">
+                          <a:effectLst/>
+                          <a:latin typeface="Times" panose="02020603050405020304" pitchFamily="18" charset="0"/>
+                        </a:rPr>
+                        <a:t>Nematodes observed</a:t>
+                      </a:r>
+                      <a:endParaRPr lang="en-GB" sz="2000">
+                        <a:effectLst/>
+                        <a:latin typeface="Times" panose="02020603050405020304" pitchFamily="18" charset="0"/>
+                        <a:ea typeface="Calibri" panose="020F0502020204030204" pitchFamily="34" charset="0"/>
+                        <a:cs typeface="Times New Roman" panose="02020603050405020304" pitchFamily="18" charset="0"/>
+                      </a:endParaRPr>
+                    </a:p>
+                  </a:txBody>
+                  <a:tcPr marL="68580" marR="68580" marT="0" marB="0"/>
+                </a:tc>
+                <a:tc>
+                  <a:txBody>
+                    <a:bodyPr/>
+                    <a:lstStyle/>
+                    <a:p>
+                      <a:pPr marL="0" marR="0" algn="just">
+                        <a:lnSpc>
+                          <a:spcPct val="200000"/>
+                        </a:lnSpc>
+                        <a:spcBef>
+                          <a:spcPts val="1200"/>
+                        </a:spcBef>
+                        <a:spcAft>
+                          <a:spcPts val="0"/>
+                        </a:spcAft>
+                      </a:pPr>
+                      <a:r>
+                        <a:rPr lang="en-US" sz="2400">
+                          <a:effectLst/>
+                          <a:latin typeface="Times" panose="02020603050405020304" pitchFamily="18" charset="0"/>
+                        </a:rPr>
+                        <a:t>Groundnut specimen roots</a:t>
+                      </a:r>
+                      <a:endParaRPr lang="en-GB" sz="2000">
+                        <a:effectLst/>
+                        <a:latin typeface="Times" panose="02020603050405020304" pitchFamily="18" charset="0"/>
+                        <a:ea typeface="Calibri" panose="020F0502020204030204" pitchFamily="34" charset="0"/>
+                        <a:cs typeface="Times New Roman" panose="02020603050405020304" pitchFamily="18" charset="0"/>
+                      </a:endParaRPr>
+                    </a:p>
+                  </a:txBody>
+                  <a:tcPr marL="68580" marR="68580" marT="0" marB="0"/>
+                </a:tc>
+                <a:tc>
+                  <a:txBody>
+                    <a:bodyPr/>
+                    <a:lstStyle/>
+                    <a:p>
+                      <a:pPr marL="0" marR="0" algn="just">
+                        <a:lnSpc>
+                          <a:spcPct val="200000"/>
+                        </a:lnSpc>
+                        <a:spcBef>
+                          <a:spcPts val="1200"/>
+                        </a:spcBef>
+                        <a:spcAft>
+                          <a:spcPts val="0"/>
+                        </a:spcAft>
+                      </a:pPr>
+                      <a:r>
+                        <a:rPr lang="en-US" sz="2400" dirty="0">
+                          <a:effectLst/>
+                          <a:latin typeface="Times" panose="02020603050405020304" pitchFamily="18" charset="0"/>
+                        </a:rPr>
+                        <a:t>Percentage (%)</a:t>
+                      </a:r>
+                      <a:endParaRPr lang="en-GB" sz="2000" dirty="0">
+                        <a:effectLst/>
+                        <a:latin typeface="Times" panose="02020603050405020304" pitchFamily="18" charset="0"/>
+                        <a:ea typeface="Calibri" panose="020F0502020204030204" pitchFamily="34" charset="0"/>
+                        <a:cs typeface="Times New Roman" panose="02020603050405020304" pitchFamily="18" charset="0"/>
+                      </a:endParaRPr>
+                    </a:p>
+                  </a:txBody>
+                  <a:tcPr marL="68580" marR="68580" marT="0" marB="0"/>
+                </a:tc>
+                <a:extLst>
+                  <a:ext uri="{0D108BD9-81ED-4DB2-BD59-A6C34878D82A}">
+                    <a16:rowId xmlns:a16="http://schemas.microsoft.com/office/drawing/2014/main" val="3751109586"/>
+                  </a:ext>
+                </a:extLst>
+              </a:tr>
+              <a:tr h="751046">
+                <a:tc>
+                  <a:txBody>
+                    <a:bodyPr/>
+                    <a:lstStyle/>
+                    <a:p>
+                      <a:pPr marL="0" marR="0" algn="just">
+                        <a:lnSpc>
+                          <a:spcPct val="200000"/>
+                        </a:lnSpc>
+                        <a:spcBef>
+                          <a:spcPts val="1200"/>
+                        </a:spcBef>
+                        <a:spcAft>
+                          <a:spcPts val="0"/>
+                        </a:spcAft>
+                      </a:pPr>
+                      <a:r>
+                        <a:rPr lang="en-US" sz="2400" dirty="0">
+                          <a:effectLst/>
+                          <a:latin typeface="Times" panose="02020603050405020304" pitchFamily="18" charset="0"/>
+                        </a:rPr>
+                        <a:t>Meloidogyne</a:t>
+                      </a:r>
+                      <a:endParaRPr lang="en-GB" sz="2000" dirty="0">
+                        <a:effectLst/>
+                        <a:latin typeface="Times" panose="02020603050405020304" pitchFamily="18" charset="0"/>
+                        <a:ea typeface="Calibri" panose="020F0502020204030204" pitchFamily="34" charset="0"/>
+                        <a:cs typeface="Times New Roman" panose="02020603050405020304" pitchFamily="18" charset="0"/>
+                      </a:endParaRPr>
+                    </a:p>
+                  </a:txBody>
+                  <a:tcPr marL="68580" marR="68580" marT="0" marB="0"/>
+                </a:tc>
+                <a:tc>
+                  <a:txBody>
+                    <a:bodyPr/>
+                    <a:lstStyle/>
+                    <a:p>
+                      <a:pPr marL="0" marR="0" algn="just">
+                        <a:lnSpc>
+                          <a:spcPct val="200000"/>
+                        </a:lnSpc>
+                        <a:spcBef>
+                          <a:spcPts val="1200"/>
+                        </a:spcBef>
+                        <a:spcAft>
+                          <a:spcPts val="0"/>
+                        </a:spcAft>
+                      </a:pPr>
+                      <a:r>
+                        <a:rPr lang="en-US" sz="2400">
+                          <a:effectLst/>
+                          <a:latin typeface="Times" panose="02020603050405020304" pitchFamily="18" charset="0"/>
+                        </a:rPr>
+                        <a:t>21</a:t>
+                      </a:r>
+                      <a:endParaRPr lang="en-GB" sz="2000">
+                        <a:effectLst/>
+                        <a:latin typeface="Times" panose="02020603050405020304" pitchFamily="18" charset="0"/>
+                        <a:ea typeface="Calibri" panose="020F0502020204030204" pitchFamily="34" charset="0"/>
+                        <a:cs typeface="Times New Roman" panose="02020603050405020304" pitchFamily="18" charset="0"/>
+                      </a:endParaRPr>
+                    </a:p>
+                  </a:txBody>
+                  <a:tcPr marL="68580" marR="68580" marT="0" marB="0"/>
+                </a:tc>
+                <a:tc>
+                  <a:txBody>
+                    <a:bodyPr/>
+                    <a:lstStyle/>
+                    <a:p>
+                      <a:pPr marL="0" marR="0" algn="just">
+                        <a:lnSpc>
+                          <a:spcPct val="200000"/>
+                        </a:lnSpc>
+                        <a:spcBef>
+                          <a:spcPts val="1200"/>
+                        </a:spcBef>
+                        <a:spcAft>
+                          <a:spcPts val="0"/>
+                        </a:spcAft>
+                      </a:pPr>
+                      <a:r>
+                        <a:rPr lang="en-US" sz="2400">
+                          <a:effectLst/>
+                          <a:latin typeface="Times" panose="02020603050405020304" pitchFamily="18" charset="0"/>
+                        </a:rPr>
+                        <a:t>33.8</a:t>
+                      </a:r>
+                      <a:endParaRPr lang="en-GB" sz="2000">
+                        <a:effectLst/>
+                        <a:latin typeface="Times" panose="02020603050405020304" pitchFamily="18" charset="0"/>
+                        <a:ea typeface="Calibri" panose="020F0502020204030204" pitchFamily="34" charset="0"/>
+                        <a:cs typeface="Times New Roman" panose="02020603050405020304" pitchFamily="18" charset="0"/>
+                      </a:endParaRPr>
+                    </a:p>
+                  </a:txBody>
+                  <a:tcPr marL="68580" marR="68580" marT="0" marB="0"/>
+                </a:tc>
+                <a:extLst>
+                  <a:ext uri="{0D108BD9-81ED-4DB2-BD59-A6C34878D82A}">
+                    <a16:rowId xmlns:a16="http://schemas.microsoft.com/office/drawing/2014/main" val="4169902812"/>
+                  </a:ext>
+                </a:extLst>
+              </a:tr>
+              <a:tr h="751046">
+                <a:tc>
+                  <a:txBody>
+                    <a:bodyPr/>
+                    <a:lstStyle/>
+                    <a:p>
+                      <a:pPr marL="0" marR="0" algn="just">
+                        <a:lnSpc>
+                          <a:spcPct val="200000"/>
+                        </a:lnSpc>
+                        <a:spcBef>
+                          <a:spcPts val="1200"/>
+                        </a:spcBef>
+                        <a:spcAft>
+                          <a:spcPts val="0"/>
+                        </a:spcAft>
+                      </a:pPr>
+                      <a:r>
+                        <a:rPr lang="en-US" sz="2400">
+                          <a:effectLst/>
+                          <a:latin typeface="Times" panose="02020603050405020304" pitchFamily="18" charset="0"/>
+                        </a:rPr>
+                        <a:t>Pratylenchids </a:t>
+                      </a:r>
+                      <a:endParaRPr lang="en-GB" sz="2000">
+                        <a:effectLst/>
+                        <a:latin typeface="Times" panose="02020603050405020304" pitchFamily="18" charset="0"/>
+                        <a:ea typeface="Calibri" panose="020F0502020204030204" pitchFamily="34" charset="0"/>
+                        <a:cs typeface="Times New Roman" panose="02020603050405020304" pitchFamily="18" charset="0"/>
+                      </a:endParaRPr>
+                    </a:p>
+                  </a:txBody>
+                  <a:tcPr marL="68580" marR="68580" marT="0" marB="0"/>
+                </a:tc>
+                <a:tc>
+                  <a:txBody>
+                    <a:bodyPr/>
+                    <a:lstStyle/>
+                    <a:p>
+                      <a:pPr marL="0" marR="0" algn="just">
+                        <a:lnSpc>
+                          <a:spcPct val="200000"/>
+                        </a:lnSpc>
+                        <a:spcBef>
+                          <a:spcPts val="1200"/>
+                        </a:spcBef>
+                        <a:spcAft>
+                          <a:spcPts val="0"/>
+                        </a:spcAft>
+                      </a:pPr>
+                      <a:r>
+                        <a:rPr lang="en-US" sz="2400">
+                          <a:effectLst/>
+                          <a:latin typeface="Times" panose="02020603050405020304" pitchFamily="18" charset="0"/>
+                        </a:rPr>
+                        <a:t>28</a:t>
+                      </a:r>
+                      <a:endParaRPr lang="en-GB" sz="2000">
+                        <a:effectLst/>
+                        <a:latin typeface="Times" panose="02020603050405020304" pitchFamily="18" charset="0"/>
+                        <a:ea typeface="Calibri" panose="020F0502020204030204" pitchFamily="34" charset="0"/>
+                        <a:cs typeface="Times New Roman" panose="02020603050405020304" pitchFamily="18" charset="0"/>
+                      </a:endParaRPr>
+                    </a:p>
+                  </a:txBody>
+                  <a:tcPr marL="68580" marR="68580" marT="0" marB="0"/>
+                </a:tc>
+                <a:tc>
+                  <a:txBody>
+                    <a:bodyPr/>
+                    <a:lstStyle/>
+                    <a:p>
+                      <a:pPr marL="0" marR="0" algn="just">
+                        <a:lnSpc>
+                          <a:spcPct val="200000"/>
+                        </a:lnSpc>
+                        <a:spcBef>
+                          <a:spcPts val="1200"/>
+                        </a:spcBef>
+                        <a:spcAft>
+                          <a:spcPts val="0"/>
+                        </a:spcAft>
+                      </a:pPr>
+                      <a:r>
+                        <a:rPr lang="en-US" sz="2400">
+                          <a:effectLst/>
+                          <a:latin typeface="Times" panose="02020603050405020304" pitchFamily="18" charset="0"/>
+                        </a:rPr>
+                        <a:t>45.1</a:t>
+                      </a:r>
+                      <a:endParaRPr lang="en-GB" sz="2000">
+                        <a:effectLst/>
+                        <a:latin typeface="Times" panose="02020603050405020304" pitchFamily="18" charset="0"/>
+                        <a:ea typeface="Calibri" panose="020F0502020204030204" pitchFamily="34" charset="0"/>
+                        <a:cs typeface="Times New Roman" panose="02020603050405020304" pitchFamily="18" charset="0"/>
+                      </a:endParaRPr>
+                    </a:p>
+                  </a:txBody>
+                  <a:tcPr marL="68580" marR="68580" marT="0" marB="0"/>
+                </a:tc>
+                <a:extLst>
+                  <a:ext uri="{0D108BD9-81ED-4DB2-BD59-A6C34878D82A}">
+                    <a16:rowId xmlns:a16="http://schemas.microsoft.com/office/drawing/2014/main" val="1715695357"/>
+                  </a:ext>
+                </a:extLst>
+              </a:tr>
+              <a:tr h="751046">
+                <a:tc>
+                  <a:txBody>
+                    <a:bodyPr/>
+                    <a:lstStyle/>
+                    <a:p>
+                      <a:pPr marL="0" marR="0" algn="just">
+                        <a:lnSpc>
+                          <a:spcPct val="200000"/>
+                        </a:lnSpc>
+                        <a:spcBef>
+                          <a:spcPts val="1200"/>
+                        </a:spcBef>
+                        <a:spcAft>
+                          <a:spcPts val="0"/>
+                        </a:spcAft>
+                      </a:pPr>
+                      <a:r>
+                        <a:rPr lang="en-US" sz="2400">
+                          <a:effectLst/>
+                          <a:latin typeface="Times" panose="02020603050405020304" pitchFamily="18" charset="0"/>
+                        </a:rPr>
+                        <a:t>Criconemella</a:t>
+                      </a:r>
+                      <a:endParaRPr lang="en-GB" sz="2000">
+                        <a:effectLst/>
+                        <a:latin typeface="Times" panose="02020603050405020304" pitchFamily="18" charset="0"/>
+                        <a:ea typeface="Calibri" panose="020F0502020204030204" pitchFamily="34" charset="0"/>
+                        <a:cs typeface="Times New Roman" panose="02020603050405020304" pitchFamily="18" charset="0"/>
+                      </a:endParaRPr>
+                    </a:p>
+                  </a:txBody>
+                  <a:tcPr marL="68580" marR="68580" marT="0" marB="0"/>
+                </a:tc>
+                <a:tc>
+                  <a:txBody>
+                    <a:bodyPr/>
+                    <a:lstStyle/>
+                    <a:p>
+                      <a:pPr marL="0" marR="0" algn="just">
+                        <a:lnSpc>
+                          <a:spcPct val="200000"/>
+                        </a:lnSpc>
+                        <a:spcBef>
+                          <a:spcPts val="1200"/>
+                        </a:spcBef>
+                        <a:spcAft>
+                          <a:spcPts val="0"/>
+                        </a:spcAft>
+                      </a:pPr>
+                      <a:r>
+                        <a:rPr lang="en-US" sz="2400">
+                          <a:effectLst/>
+                          <a:latin typeface="Times" panose="02020603050405020304" pitchFamily="18" charset="0"/>
+                        </a:rPr>
+                        <a:t>6</a:t>
+                      </a:r>
+                      <a:endParaRPr lang="en-GB" sz="2000">
+                        <a:effectLst/>
+                        <a:latin typeface="Times" panose="02020603050405020304" pitchFamily="18" charset="0"/>
+                        <a:ea typeface="Calibri" panose="020F0502020204030204" pitchFamily="34" charset="0"/>
+                        <a:cs typeface="Times New Roman" panose="02020603050405020304" pitchFamily="18" charset="0"/>
+                      </a:endParaRPr>
+                    </a:p>
+                  </a:txBody>
+                  <a:tcPr marL="68580" marR="68580" marT="0" marB="0"/>
+                </a:tc>
+                <a:tc>
+                  <a:txBody>
+                    <a:bodyPr/>
+                    <a:lstStyle/>
+                    <a:p>
+                      <a:pPr marL="0" marR="0" algn="just">
+                        <a:lnSpc>
+                          <a:spcPct val="200000"/>
+                        </a:lnSpc>
+                        <a:spcBef>
+                          <a:spcPts val="1200"/>
+                        </a:spcBef>
+                        <a:spcAft>
+                          <a:spcPts val="0"/>
+                        </a:spcAft>
+                      </a:pPr>
+                      <a:r>
+                        <a:rPr lang="en-US" sz="2400">
+                          <a:effectLst/>
+                          <a:latin typeface="Times" panose="02020603050405020304" pitchFamily="18" charset="0"/>
+                        </a:rPr>
+                        <a:t>9.6</a:t>
+                      </a:r>
+                      <a:endParaRPr lang="en-GB" sz="2000">
+                        <a:effectLst/>
+                        <a:latin typeface="Times" panose="02020603050405020304" pitchFamily="18" charset="0"/>
+                        <a:ea typeface="Calibri" panose="020F0502020204030204" pitchFamily="34" charset="0"/>
+                        <a:cs typeface="Times New Roman" panose="02020603050405020304" pitchFamily="18" charset="0"/>
+                      </a:endParaRPr>
+                    </a:p>
+                  </a:txBody>
+                  <a:tcPr marL="68580" marR="68580" marT="0" marB="0"/>
+                </a:tc>
+                <a:extLst>
+                  <a:ext uri="{0D108BD9-81ED-4DB2-BD59-A6C34878D82A}">
+                    <a16:rowId xmlns:a16="http://schemas.microsoft.com/office/drawing/2014/main" val="2073747176"/>
+                  </a:ext>
+                </a:extLst>
+              </a:tr>
+              <a:tr h="751046">
+                <a:tc>
+                  <a:txBody>
+                    <a:bodyPr/>
+                    <a:lstStyle/>
+                    <a:p>
+                      <a:pPr marL="0" marR="0" algn="just">
+                        <a:lnSpc>
+                          <a:spcPct val="200000"/>
+                        </a:lnSpc>
+                        <a:spcBef>
+                          <a:spcPts val="1200"/>
+                        </a:spcBef>
+                        <a:spcAft>
+                          <a:spcPts val="0"/>
+                        </a:spcAft>
+                      </a:pPr>
+                      <a:r>
+                        <a:rPr lang="en-US" sz="2400">
+                          <a:effectLst/>
+                          <a:latin typeface="Times" panose="02020603050405020304" pitchFamily="18" charset="0"/>
+                        </a:rPr>
+                        <a:t>Rotylenchulus </a:t>
+                      </a:r>
+                      <a:endParaRPr lang="en-GB" sz="2000">
+                        <a:effectLst/>
+                        <a:latin typeface="Times" panose="02020603050405020304" pitchFamily="18" charset="0"/>
+                        <a:ea typeface="Calibri" panose="020F0502020204030204" pitchFamily="34" charset="0"/>
+                        <a:cs typeface="Times New Roman" panose="02020603050405020304" pitchFamily="18" charset="0"/>
+                      </a:endParaRPr>
+                    </a:p>
+                  </a:txBody>
+                  <a:tcPr marL="68580" marR="68580" marT="0" marB="0"/>
+                </a:tc>
+                <a:tc>
+                  <a:txBody>
+                    <a:bodyPr/>
+                    <a:lstStyle/>
+                    <a:p>
+                      <a:pPr marL="0" marR="0" algn="just">
+                        <a:lnSpc>
+                          <a:spcPct val="200000"/>
+                        </a:lnSpc>
+                        <a:spcBef>
+                          <a:spcPts val="1200"/>
+                        </a:spcBef>
+                        <a:spcAft>
+                          <a:spcPts val="0"/>
+                        </a:spcAft>
+                      </a:pPr>
+                      <a:r>
+                        <a:rPr lang="en-US" sz="2400">
+                          <a:effectLst/>
+                          <a:latin typeface="Times" panose="02020603050405020304" pitchFamily="18" charset="0"/>
+                        </a:rPr>
+                        <a:t>7</a:t>
+                      </a:r>
+                      <a:endParaRPr lang="en-GB" sz="2000">
+                        <a:effectLst/>
+                        <a:latin typeface="Times" panose="02020603050405020304" pitchFamily="18" charset="0"/>
+                        <a:ea typeface="Calibri" panose="020F0502020204030204" pitchFamily="34" charset="0"/>
+                        <a:cs typeface="Times New Roman" panose="02020603050405020304" pitchFamily="18" charset="0"/>
+                      </a:endParaRPr>
+                    </a:p>
+                  </a:txBody>
+                  <a:tcPr marL="68580" marR="68580" marT="0" marB="0"/>
+                </a:tc>
+                <a:tc>
+                  <a:txBody>
+                    <a:bodyPr/>
+                    <a:lstStyle/>
+                    <a:p>
+                      <a:pPr marL="0" marR="0" algn="just">
+                        <a:lnSpc>
+                          <a:spcPct val="200000"/>
+                        </a:lnSpc>
+                        <a:spcBef>
+                          <a:spcPts val="1200"/>
+                        </a:spcBef>
+                        <a:spcAft>
+                          <a:spcPts val="0"/>
+                        </a:spcAft>
+                      </a:pPr>
+                      <a:r>
+                        <a:rPr lang="en-US" sz="2400">
+                          <a:effectLst/>
+                          <a:latin typeface="Times" panose="02020603050405020304" pitchFamily="18" charset="0"/>
+                        </a:rPr>
+                        <a:t>11.2</a:t>
+                      </a:r>
+                      <a:endParaRPr lang="en-GB" sz="2000">
+                        <a:effectLst/>
+                        <a:latin typeface="Times" panose="02020603050405020304" pitchFamily="18" charset="0"/>
+                        <a:ea typeface="Calibri" panose="020F0502020204030204" pitchFamily="34" charset="0"/>
+                        <a:cs typeface="Times New Roman" panose="02020603050405020304" pitchFamily="18" charset="0"/>
+                      </a:endParaRPr>
+                    </a:p>
+                  </a:txBody>
+                  <a:tcPr marL="68580" marR="68580" marT="0" marB="0"/>
+                </a:tc>
+                <a:extLst>
+                  <a:ext uri="{0D108BD9-81ED-4DB2-BD59-A6C34878D82A}">
+                    <a16:rowId xmlns:a16="http://schemas.microsoft.com/office/drawing/2014/main" val="1638544433"/>
+                  </a:ext>
+                </a:extLst>
+              </a:tr>
+              <a:tr h="751046">
+                <a:tc>
+                  <a:txBody>
+                    <a:bodyPr/>
+                    <a:lstStyle/>
+                    <a:p>
+                      <a:pPr marL="0" marR="0" algn="just">
+                        <a:lnSpc>
+                          <a:spcPct val="200000"/>
+                        </a:lnSpc>
+                        <a:spcBef>
+                          <a:spcPts val="1200"/>
+                        </a:spcBef>
+                        <a:spcAft>
+                          <a:spcPts val="0"/>
+                        </a:spcAft>
+                      </a:pPr>
+                      <a:r>
+                        <a:rPr lang="en-US" sz="2400">
+                          <a:effectLst/>
+                          <a:latin typeface="Times" panose="02020603050405020304" pitchFamily="18" charset="0"/>
+                        </a:rPr>
+                        <a:t>Total </a:t>
+                      </a:r>
+                      <a:endParaRPr lang="en-GB" sz="2000">
+                        <a:effectLst/>
+                        <a:latin typeface="Times" panose="02020603050405020304" pitchFamily="18" charset="0"/>
+                        <a:ea typeface="Calibri" panose="020F0502020204030204" pitchFamily="34" charset="0"/>
+                        <a:cs typeface="Times New Roman" panose="02020603050405020304" pitchFamily="18" charset="0"/>
+                      </a:endParaRPr>
+                    </a:p>
+                  </a:txBody>
+                  <a:tcPr marL="68580" marR="68580" marT="0" marB="0"/>
+                </a:tc>
+                <a:tc>
+                  <a:txBody>
+                    <a:bodyPr/>
+                    <a:lstStyle/>
+                    <a:p>
+                      <a:pPr marL="0" marR="0" algn="just">
+                        <a:lnSpc>
+                          <a:spcPct val="200000"/>
+                        </a:lnSpc>
+                        <a:spcBef>
+                          <a:spcPts val="1200"/>
+                        </a:spcBef>
+                        <a:spcAft>
+                          <a:spcPts val="0"/>
+                        </a:spcAft>
+                      </a:pPr>
+                      <a:r>
+                        <a:rPr lang="en-US" sz="2400">
+                          <a:effectLst/>
+                          <a:latin typeface="Times" panose="02020603050405020304" pitchFamily="18" charset="0"/>
+                        </a:rPr>
+                        <a:t>62</a:t>
+                      </a:r>
+                      <a:endParaRPr lang="en-GB" sz="2000">
+                        <a:effectLst/>
+                        <a:latin typeface="Times" panose="02020603050405020304" pitchFamily="18" charset="0"/>
+                        <a:ea typeface="Calibri" panose="020F0502020204030204" pitchFamily="34" charset="0"/>
+                        <a:cs typeface="Times New Roman" panose="02020603050405020304" pitchFamily="18" charset="0"/>
+                      </a:endParaRPr>
+                    </a:p>
+                  </a:txBody>
+                  <a:tcPr marL="68580" marR="68580" marT="0" marB="0"/>
+                </a:tc>
+                <a:tc>
+                  <a:txBody>
+                    <a:bodyPr/>
+                    <a:lstStyle/>
+                    <a:p>
+                      <a:pPr marL="0" marR="0" algn="just">
+                        <a:lnSpc>
+                          <a:spcPct val="200000"/>
+                        </a:lnSpc>
+                        <a:spcBef>
+                          <a:spcPts val="1200"/>
+                        </a:spcBef>
+                        <a:spcAft>
+                          <a:spcPts val="0"/>
+                        </a:spcAft>
+                      </a:pPr>
+                      <a:r>
+                        <a:rPr lang="en-US" sz="2400" dirty="0">
+                          <a:effectLst/>
+                          <a:latin typeface="Times" panose="02020603050405020304" pitchFamily="18" charset="0"/>
+                        </a:rPr>
+                        <a:t>99.7</a:t>
+                      </a:r>
+                      <a:endParaRPr lang="en-GB" sz="2000" dirty="0">
+                        <a:effectLst/>
+                        <a:latin typeface="Times" panose="02020603050405020304" pitchFamily="18" charset="0"/>
+                        <a:ea typeface="Calibri" panose="020F0502020204030204" pitchFamily="34" charset="0"/>
+                        <a:cs typeface="Times New Roman" panose="02020603050405020304" pitchFamily="18" charset="0"/>
+                      </a:endParaRPr>
+                    </a:p>
+                  </a:txBody>
+                  <a:tcPr marL="68580" marR="68580" marT="0" marB="0"/>
+                </a:tc>
+                <a:extLst>
+                  <a:ext uri="{0D108BD9-81ED-4DB2-BD59-A6C34878D82A}">
+                    <a16:rowId xmlns:a16="http://schemas.microsoft.com/office/drawing/2014/main" val="2995853858"/>
+                  </a:ext>
+                </a:extLst>
+              </a:tr>
+            </a:tbl>
+          </a:graphicData>
+        </a:graphic>
+      </p:graphicFrame>
+      <p:sp>
+        <p:nvSpPr>
+          <p:cNvPr id="7" name="Rectangle 1">
+            <a:extLst>
+              <a:ext uri="{FF2B5EF4-FFF2-40B4-BE49-F238E27FC236}">
+                <a16:creationId xmlns:a16="http://schemas.microsoft.com/office/drawing/2014/main" id="{1E7792F4-122C-4BDC-BE77-717AC770E368}"/>
               </a:ext>
             </a:extLst>
           </p:cNvPr>
           <p:cNvSpPr>
-            <a:spLocks noGrp="1"/>
+            <a:spLocks noChangeArrowheads="1"/>
           </p:cNvSpPr>
-          <p:nvPr>
-            <p:ph idx="1"/>
-          </p:nvPr>
-        </p:nvSpPr>
-        <p:spPr>
+          <p:nvPr/>
+        </p:nvSpPr>
+        <p:spPr bwMode="auto">
           <a:xfrm>
-            <a:off x="708338" y="1337480"/>
-            <a:ext cx="10972800" cy="4940489"/>
+            <a:off x="705072" y="1238527"/>
+            <a:ext cx="6205545" cy="400110"/>
           </a:xfrm>
-          <a:solidFill>
-            <a:schemeClr val="bg1"/>
-          </a:solidFill>
+          <a:prstGeom prst="rect">
+            <a:avLst/>
+          </a:prstGeom>
+          <a:noFill/>
           <a:ln>
             <a:noFill/>
           </a:ln>
+          <a:effectLst/>
+          <a:extLst>
+            <a:ext uri="{909E8E84-426E-40DD-AFC4-6F175D3DCCD1}">
+              <a14:hiddenFill xmlns:a14="http://schemas.microsoft.com/office/drawing/2010/main">
+                <a:solidFill>
+                  <a:schemeClr val="accent1"/>
+                </a:solidFill>
+              </a14:hiddenFill>
+            </a:ext>
+            <a:ext uri="{91240B29-F687-4F45-9708-019B960494DF}">
+              <a14:hiddenLine xmlns:a14="http://schemas.microsoft.com/office/drawing/2010/main" w="9525">
+                <a:solidFill>
+                  <a:schemeClr val="tx1"/>
+                </a:solidFill>
+                <a:miter lim="800000"/>
+                <a:headEnd/>
+                <a:tailEnd/>
+              </a14:hiddenLine>
+            </a:ext>
+            <a:ext uri="{AF507438-7753-43E0-B8FC-AC1667EBCBE1}">
+              <a14:hiddenEffects xmlns:a14="http://schemas.microsoft.com/office/drawing/2010/main">
+                <a:effectLst>
+                  <a:outerShdw dist="35921" dir="2700000" algn="ctr" rotWithShape="0">
+                    <a:schemeClr val="bg2"/>
+                  </a:outerShdw>
+                </a:effectLst>
+              </a14:hiddenEffects>
+            </a:ext>
+          </a:extLst>
         </p:spPr>
         <p:txBody>
-          <a:bodyPr>
-            <a:normAutofit/>
+          <a:bodyPr vert="horz" wrap="none" lIns="91440" tIns="45720" rIns="91440" bIns="45720" numCol="1" anchor="ctr" anchorCtr="0" compatLnSpc="1">
+            <a:prstTxWarp prst="textNoShape">
+              <a:avLst/>
+            </a:prstTxWarp>
+            <a:spAutoFit/>
           </a:bodyPr>
           <a:lstStyle/>
           <a:p>
-            <a:pPr algn="just">
+            <a:pPr marL="0" marR="0" lvl="0" indent="0" algn="just" defTabSz="914400" rtl="0" eaLnBrk="0" fontAlgn="base" latinLnBrk="0" hangingPunct="0">
               <a:lnSpc>
-                <a:spcPct val="150000"/>
+                <a:spcPct val="100000"/>
               </a:lnSpc>
+              <a:spcBef>
+                <a:spcPct val="0"/>
+              </a:spcBef>
+              <a:spcAft>
+                <a:spcPct val="0"/>
+              </a:spcAft>
+              <a:buClrTx/>
+              <a:buSzTx/>
+              <a:buFontTx/>
+              <a:buNone/>
+              <a:tabLst/>
             </a:pPr>
             <a:r>
-              <a:rPr lang="en-US" sz="2400" dirty="0">
-                <a:solidFill>
-                  <a:schemeClr val="tx1"/>
-                </a:solidFill>
+              <a:rPr kumimoji="0" lang="en-US" altLang="en-US" sz="2000" b="0" i="0" u="none" strike="noStrike" cap="none" normalizeH="0" baseline="0" dirty="0">
+                <a:ln>
+                  <a:noFill/>
+                </a:ln>
+                <a:solidFill>
+                  <a:srgbClr val="000000"/>
+                </a:solidFill>
+                <a:effectLst/>
                 <a:latin typeface="Times New Roman" panose="02020603050405020304" pitchFamily="18" charset="0"/>
+                <a:ea typeface="Calibri" panose="020F0502020204030204" pitchFamily="34" charset="0"/>
                 <a:cs typeface="Times New Roman" panose="02020603050405020304" pitchFamily="18" charset="0"/>
               </a:rPr>
-              <a:t>The result will be statistically </a:t>
-            </a:r>
-            <a:r>
-              <a:rPr lang="en-US" sz="2400" dirty="0" err="1">
-                <a:solidFill>
-                  <a:schemeClr val="tx1"/>
-                </a:solidFill>
-                <a:latin typeface="Times New Roman" panose="02020603050405020304" pitchFamily="18" charset="0"/>
-                <a:cs typeface="Times New Roman" panose="02020603050405020304" pitchFamily="18" charset="0"/>
-              </a:rPr>
-              <a:t>analysed</a:t>
-            </a:r>
-            <a:r>
-              <a:rPr lang="en-US" sz="2400" dirty="0">
-                <a:solidFill>
-                  <a:schemeClr val="tx1"/>
-                </a:solidFill>
-                <a:latin typeface="Times New Roman" panose="02020603050405020304" pitchFamily="18" charset="0"/>
-                <a:cs typeface="Times New Roman" panose="02020603050405020304" pitchFamily="18" charset="0"/>
-              </a:rPr>
-              <a:t> using simple percentages and the chi-square tables will be used to determine the level of significance at (P&lt;0.05) confidence level.</a:t>
-            </a:r>
-            <a:endParaRPr lang="en-GB" sz="2400" dirty="0">
+              <a:t>Table 4.1: Prevalence of groundnut root nematodes farm A</a:t>
+            </a:r>
+            <a:endParaRPr kumimoji="0" lang="en-US" altLang="en-US" sz="3200" b="0" i="0" u="none" strike="noStrike" cap="none" normalizeH="0" baseline="0" dirty="0">
+              <a:ln>
+                <a:noFill/>
+              </a:ln>
               <a:solidFill>
                 <a:schemeClr val="tx1"/>
               </a:solidFill>
-              <a:latin typeface="Times New Roman" panose="02020603050405020304" pitchFamily="18" charset="0"/>
-              <a:cs typeface="Times New Roman" panose="02020603050405020304" pitchFamily="18" charset="0"/>
+              <a:effectLst/>
+              <a:latin typeface="Arial" panose="020B0604020202020204" pitchFamily="34" charset="0"/>
             </a:endParaRPr>
           </a:p>
         </p:txBody>
@@ -5099,10 +6902,10 @@
       </p:grpSpPr>
       <p:sp>
         <p:nvSpPr>
-          <p:cNvPr id="2" name="Title 1">
+          <p:cNvPr id="4" name="Title 1">
             <a:extLst>
               <a:ext uri="{FF2B5EF4-FFF2-40B4-BE49-F238E27FC236}">
-                <a16:creationId xmlns:a16="http://schemas.microsoft.com/office/drawing/2014/main" id="{998E07FE-588B-4392-99B8-331E35FFB18E}"/>
+                <a16:creationId xmlns:a16="http://schemas.microsoft.com/office/drawing/2014/main" id="{BA2A81F7-F0EC-41CD-91D7-B697290E368C}"/>
               </a:ext>
             </a:extLst>
           </p:cNvPr>
@@ -5115,14 +6918,17 @@
         </p:nvSpPr>
         <p:spPr>
           <a:xfrm>
-            <a:off x="1097280" y="286604"/>
-            <a:ext cx="10058400" cy="900752"/>
+            <a:off x="810904" y="354482"/>
+            <a:ext cx="10972800" cy="860169"/>
           </a:xfrm>
         </p:spPr>
         <p:txBody>
-          <a:bodyPr/>
+          <a:bodyPr>
+            <a:normAutofit/>
+          </a:bodyPr>
           <a:lstStyle/>
           <a:p>
+            <a:pPr algn="ctr"/>
             <a:r>
               <a:rPr lang="en-US" b="1" dirty="0">
                 <a:solidFill>
@@ -5131,103 +6937,7 @@
                 <a:latin typeface="Times New Roman" panose="02020603050405020304" pitchFamily="18" charset="0"/>
                 <a:cs typeface="Times New Roman" panose="02020603050405020304" pitchFamily="18" charset="0"/>
               </a:rPr>
-              <a:t>REFERENCES</a:t>
-            </a:r>
-            <a:endParaRPr lang="en-GB" b="1" dirty="0">
-              <a:solidFill>
-                <a:schemeClr val="tx1"/>
-              </a:solidFill>
-              <a:latin typeface="Times New Roman" panose="02020603050405020304" pitchFamily="18" charset="0"/>
-              <a:cs typeface="Times New Roman" panose="02020603050405020304" pitchFamily="18" charset="0"/>
-            </a:endParaRPr>
-          </a:p>
-        </p:txBody>
-      </p:sp>
-      <p:sp>
-        <p:nvSpPr>
-          <p:cNvPr id="3" name="Content Placeholder 2">
-            <a:extLst>
-              <a:ext uri="{FF2B5EF4-FFF2-40B4-BE49-F238E27FC236}">
-                <a16:creationId xmlns:a16="http://schemas.microsoft.com/office/drawing/2014/main" id="{417C480A-D6E7-4713-9805-AB7809F35838}"/>
-              </a:ext>
-            </a:extLst>
-          </p:cNvPr>
-          <p:cNvSpPr>
-            <a:spLocks noGrp="1"/>
-          </p:cNvSpPr>
-          <p:nvPr>
-            <p:ph idx="1"/>
-          </p:nvPr>
-        </p:nvSpPr>
-        <p:spPr/>
-        <p:txBody>
-          <a:bodyPr>
-            <a:normAutofit fontScale="92500" lnSpcReduction="20000"/>
-          </a:bodyPr>
-          <a:lstStyle/>
-          <a:p>
-            <a:pPr marL="463550" indent="-463550">
-              <a:buNone/>
-            </a:pPr>
-            <a:r>
-              <a:rPr lang="en-US" dirty="0" err="1">
-                <a:solidFill>
-                  <a:schemeClr val="tx1"/>
-                </a:solidFill>
-                <a:latin typeface="Times New Roman" panose="02020603050405020304" pitchFamily="18" charset="0"/>
-                <a:cs typeface="Times New Roman" panose="02020603050405020304" pitchFamily="18" charset="0"/>
-              </a:rPr>
-              <a:t>Afolami</a:t>
-            </a:r>
-            <a:r>
-              <a:rPr lang="en-US" dirty="0">
-                <a:solidFill>
-                  <a:schemeClr val="tx1"/>
-                </a:solidFill>
-                <a:latin typeface="Times New Roman" panose="02020603050405020304" pitchFamily="18" charset="0"/>
-                <a:cs typeface="Times New Roman" panose="02020603050405020304" pitchFamily="18" charset="0"/>
-              </a:rPr>
-              <a:t>, S. O., Idowu, A. B., &amp; </a:t>
-            </a:r>
-            <a:r>
-              <a:rPr lang="en-US" dirty="0" err="1">
-                <a:solidFill>
-                  <a:schemeClr val="tx1"/>
-                </a:solidFill>
-                <a:latin typeface="Times New Roman" panose="02020603050405020304" pitchFamily="18" charset="0"/>
-                <a:cs typeface="Times New Roman" panose="02020603050405020304" pitchFamily="18" charset="0"/>
-              </a:rPr>
-              <a:t>Olabiyi</a:t>
-            </a:r>
-            <a:r>
-              <a:rPr lang="en-US" dirty="0">
-                <a:solidFill>
-                  <a:schemeClr val="tx1"/>
-                </a:solidFill>
-                <a:latin typeface="Times New Roman" panose="02020603050405020304" pitchFamily="18" charset="0"/>
-                <a:cs typeface="Times New Roman" panose="02020603050405020304" pitchFamily="18" charset="0"/>
-              </a:rPr>
-              <a:t>, T. I. (2014). Occurrence and distribution of plant-parasitic nematodes on sugarcane (Saccharum spp.) in Ogun State, Nigeria. </a:t>
-            </a:r>
-            <a:r>
-              <a:rPr lang="en-US" i="1" dirty="0">
-                <a:solidFill>
-                  <a:schemeClr val="tx1"/>
-                </a:solidFill>
-                <a:latin typeface="Times New Roman" panose="02020603050405020304" pitchFamily="18" charset="0"/>
-                <a:cs typeface="Times New Roman" panose="02020603050405020304" pitchFamily="18" charset="0"/>
-              </a:rPr>
-              <a:t>African Journal of Agricultural Research,</a:t>
-            </a:r>
-            <a:r>
-              <a:rPr lang="en-US" dirty="0">
-                <a:solidFill>
-                  <a:schemeClr val="tx1"/>
-                </a:solidFill>
-                <a:latin typeface="Times New Roman" panose="02020603050405020304" pitchFamily="18" charset="0"/>
-                <a:cs typeface="Times New Roman" panose="02020603050405020304" pitchFamily="18" charset="0"/>
-              </a:rPr>
-              <a:t> 9(29), 2257-2261.</a:t>
+              <a:t>RESULT</a:t>
             </a:r>
             <a:endParaRPr lang="en-GB" dirty="0">
               <a:solidFill>
@@ -5237,397 +6947,833 @@
               <a:cs typeface="Times New Roman" panose="02020603050405020304" pitchFamily="18" charset="0"/>
             </a:endParaRPr>
           </a:p>
-          <a:p>
-            <a:pPr marL="463550" indent="-463550">
+        </p:txBody>
+      </p:sp>
+      <p:graphicFrame>
+        <p:nvGraphicFramePr>
+          <p:cNvPr id="7" name="Table 6">
+            <a:extLst>
+              <a:ext uri="{FF2B5EF4-FFF2-40B4-BE49-F238E27FC236}">
+                <a16:creationId xmlns:a16="http://schemas.microsoft.com/office/drawing/2014/main" id="{9BE62FCB-9DB7-4A71-8215-0EFC52746D6E}"/>
+              </a:ext>
+            </a:extLst>
+          </p:cNvPr>
+          <p:cNvGraphicFramePr>
+            <a:graphicFrameLocks noGrp="1"/>
+          </p:cNvGraphicFramePr>
+          <p:nvPr>
+            <p:extLst>
+              <p:ext uri="{D42A27DB-BD31-4B8C-83A1-F6EECF244321}">
+                <p14:modId xmlns:p14="http://schemas.microsoft.com/office/powerpoint/2010/main" val="608019869"/>
+              </p:ext>
+            </p:extLst>
+          </p:nvPr>
+        </p:nvGraphicFramePr>
+        <p:xfrm>
+          <a:off x="810904" y="1637730"/>
+          <a:ext cx="10230135" cy="4640238"/>
+        </p:xfrm>
+        <a:graphic>
+          <a:graphicData uri="http://schemas.openxmlformats.org/drawingml/2006/table">
+            <a:tbl>
+              <a:tblPr firstRow="1" firstCol="1" bandRow="1">
+                <a:tableStyleId>{5C22544A-7EE6-4342-B048-85BDC9FD1C3A}</a:tableStyleId>
+              </a:tblPr>
+              <a:tblGrid>
+                <a:gridCol w="3620963">
+                  <a:extLst>
+                    <a:ext uri="{9D8B030D-6E8A-4147-A177-3AD203B41FA5}">
+                      <a16:colId xmlns:a16="http://schemas.microsoft.com/office/drawing/2014/main" val="1502529899"/>
+                    </a:ext>
+                  </a:extLst>
+                </a:gridCol>
+                <a:gridCol w="3861141">
+                  <a:extLst>
+                    <a:ext uri="{9D8B030D-6E8A-4147-A177-3AD203B41FA5}">
+                      <a16:colId xmlns:a16="http://schemas.microsoft.com/office/drawing/2014/main" val="1687770699"/>
+                    </a:ext>
+                  </a:extLst>
+                </a:gridCol>
+                <a:gridCol w="2748031">
+                  <a:extLst>
+                    <a:ext uri="{9D8B030D-6E8A-4147-A177-3AD203B41FA5}">
+                      <a16:colId xmlns:a16="http://schemas.microsoft.com/office/drawing/2014/main" val="2072339284"/>
+                    </a:ext>
+                  </a:extLst>
+                </a:gridCol>
+              </a:tblGrid>
+              <a:tr h="773373">
+                <a:tc>
+                  <a:txBody>
+                    <a:bodyPr/>
+                    <a:lstStyle/>
+                    <a:p>
+                      <a:pPr marL="0" marR="0" algn="just">
+                        <a:lnSpc>
+                          <a:spcPct val="200000"/>
+                        </a:lnSpc>
+                        <a:spcBef>
+                          <a:spcPts val="1200"/>
+                        </a:spcBef>
+                        <a:spcAft>
+                          <a:spcPts val="0"/>
+                        </a:spcAft>
+                      </a:pPr>
+                      <a:r>
+                        <a:rPr lang="en-US" sz="2400">
+                          <a:effectLst/>
+                          <a:latin typeface="Times" panose="02020603050405020304" pitchFamily="18" charset="0"/>
+                        </a:rPr>
+                        <a:t>Nematodes observed</a:t>
+                      </a:r>
+                      <a:endParaRPr lang="en-GB" sz="2000">
+                        <a:effectLst/>
+                        <a:latin typeface="Times" panose="02020603050405020304" pitchFamily="18" charset="0"/>
+                        <a:ea typeface="Calibri" panose="020F0502020204030204" pitchFamily="34" charset="0"/>
+                        <a:cs typeface="Times New Roman" panose="02020603050405020304" pitchFamily="18" charset="0"/>
+                      </a:endParaRPr>
+                    </a:p>
+                  </a:txBody>
+                  <a:tcPr marL="68580" marR="68580" marT="0" marB="0"/>
+                </a:tc>
+                <a:tc>
+                  <a:txBody>
+                    <a:bodyPr/>
+                    <a:lstStyle/>
+                    <a:p>
+                      <a:pPr marL="0" marR="0" algn="just">
+                        <a:lnSpc>
+                          <a:spcPct val="200000"/>
+                        </a:lnSpc>
+                        <a:spcBef>
+                          <a:spcPts val="1200"/>
+                        </a:spcBef>
+                        <a:spcAft>
+                          <a:spcPts val="0"/>
+                        </a:spcAft>
+                      </a:pPr>
+                      <a:r>
+                        <a:rPr lang="en-US" sz="2400">
+                          <a:effectLst/>
+                          <a:latin typeface="Times" panose="02020603050405020304" pitchFamily="18" charset="0"/>
+                        </a:rPr>
+                        <a:t>Groundnut specimen roots</a:t>
+                      </a:r>
+                      <a:endParaRPr lang="en-GB" sz="2000">
+                        <a:effectLst/>
+                        <a:latin typeface="Times" panose="02020603050405020304" pitchFamily="18" charset="0"/>
+                        <a:ea typeface="Calibri" panose="020F0502020204030204" pitchFamily="34" charset="0"/>
+                        <a:cs typeface="Times New Roman" panose="02020603050405020304" pitchFamily="18" charset="0"/>
+                      </a:endParaRPr>
+                    </a:p>
+                  </a:txBody>
+                  <a:tcPr marL="68580" marR="68580" marT="0" marB="0"/>
+                </a:tc>
+                <a:tc>
+                  <a:txBody>
+                    <a:bodyPr/>
+                    <a:lstStyle/>
+                    <a:p>
+                      <a:pPr marL="0" marR="0" algn="just">
+                        <a:lnSpc>
+                          <a:spcPct val="200000"/>
+                        </a:lnSpc>
+                        <a:spcBef>
+                          <a:spcPts val="1200"/>
+                        </a:spcBef>
+                        <a:spcAft>
+                          <a:spcPts val="0"/>
+                        </a:spcAft>
+                      </a:pPr>
+                      <a:r>
+                        <a:rPr lang="en-US" sz="2400">
+                          <a:effectLst/>
+                          <a:latin typeface="Times" panose="02020603050405020304" pitchFamily="18" charset="0"/>
+                        </a:rPr>
+                        <a:t>Percentage (%)</a:t>
+                      </a:r>
+                      <a:endParaRPr lang="en-GB" sz="2000">
+                        <a:effectLst/>
+                        <a:latin typeface="Times" panose="02020603050405020304" pitchFamily="18" charset="0"/>
+                        <a:ea typeface="Calibri" panose="020F0502020204030204" pitchFamily="34" charset="0"/>
+                        <a:cs typeface="Times New Roman" panose="02020603050405020304" pitchFamily="18" charset="0"/>
+                      </a:endParaRPr>
+                    </a:p>
+                  </a:txBody>
+                  <a:tcPr marL="68580" marR="68580" marT="0" marB="0"/>
+                </a:tc>
+                <a:extLst>
+                  <a:ext uri="{0D108BD9-81ED-4DB2-BD59-A6C34878D82A}">
+                    <a16:rowId xmlns:a16="http://schemas.microsoft.com/office/drawing/2014/main" val="2895431176"/>
+                  </a:ext>
+                </a:extLst>
+              </a:tr>
+              <a:tr h="773373">
+                <a:tc>
+                  <a:txBody>
+                    <a:bodyPr/>
+                    <a:lstStyle/>
+                    <a:p>
+                      <a:pPr marL="0" marR="0" algn="just">
+                        <a:lnSpc>
+                          <a:spcPct val="200000"/>
+                        </a:lnSpc>
+                        <a:spcBef>
+                          <a:spcPts val="1200"/>
+                        </a:spcBef>
+                        <a:spcAft>
+                          <a:spcPts val="0"/>
+                        </a:spcAft>
+                      </a:pPr>
+                      <a:r>
+                        <a:rPr lang="en-US" sz="2400">
+                          <a:effectLst/>
+                          <a:latin typeface="Times" panose="02020603050405020304" pitchFamily="18" charset="0"/>
+                        </a:rPr>
+                        <a:t>Meloidogyne</a:t>
+                      </a:r>
+                      <a:endParaRPr lang="en-GB" sz="2000">
+                        <a:effectLst/>
+                        <a:latin typeface="Times" panose="02020603050405020304" pitchFamily="18" charset="0"/>
+                        <a:ea typeface="Calibri" panose="020F0502020204030204" pitchFamily="34" charset="0"/>
+                        <a:cs typeface="Times New Roman" panose="02020603050405020304" pitchFamily="18" charset="0"/>
+                      </a:endParaRPr>
+                    </a:p>
+                  </a:txBody>
+                  <a:tcPr marL="68580" marR="68580" marT="0" marB="0"/>
+                </a:tc>
+                <a:tc>
+                  <a:txBody>
+                    <a:bodyPr/>
+                    <a:lstStyle/>
+                    <a:p>
+                      <a:pPr marL="0" marR="0" algn="just">
+                        <a:lnSpc>
+                          <a:spcPct val="200000"/>
+                        </a:lnSpc>
+                        <a:spcBef>
+                          <a:spcPts val="1200"/>
+                        </a:spcBef>
+                        <a:spcAft>
+                          <a:spcPts val="0"/>
+                        </a:spcAft>
+                      </a:pPr>
+                      <a:r>
+                        <a:rPr lang="en-US" sz="2400">
+                          <a:effectLst/>
+                          <a:latin typeface="Times" panose="02020603050405020304" pitchFamily="18" charset="0"/>
+                        </a:rPr>
+                        <a:t>20</a:t>
+                      </a:r>
+                      <a:endParaRPr lang="en-GB" sz="2000">
+                        <a:effectLst/>
+                        <a:latin typeface="Times" panose="02020603050405020304" pitchFamily="18" charset="0"/>
+                        <a:ea typeface="Calibri" panose="020F0502020204030204" pitchFamily="34" charset="0"/>
+                        <a:cs typeface="Times New Roman" panose="02020603050405020304" pitchFamily="18" charset="0"/>
+                      </a:endParaRPr>
+                    </a:p>
+                  </a:txBody>
+                  <a:tcPr marL="68580" marR="68580" marT="0" marB="0"/>
+                </a:tc>
+                <a:tc>
+                  <a:txBody>
+                    <a:bodyPr/>
+                    <a:lstStyle/>
+                    <a:p>
+                      <a:pPr marL="0" marR="0" algn="just">
+                        <a:lnSpc>
+                          <a:spcPct val="200000"/>
+                        </a:lnSpc>
+                        <a:spcBef>
+                          <a:spcPts val="1200"/>
+                        </a:spcBef>
+                        <a:spcAft>
+                          <a:spcPts val="0"/>
+                        </a:spcAft>
+                      </a:pPr>
+                      <a:r>
+                        <a:rPr lang="en-US" sz="2400">
+                          <a:effectLst/>
+                          <a:latin typeface="Times" panose="02020603050405020304" pitchFamily="18" charset="0"/>
+                        </a:rPr>
+                        <a:t>48.7</a:t>
+                      </a:r>
+                      <a:endParaRPr lang="en-GB" sz="2000">
+                        <a:effectLst/>
+                        <a:latin typeface="Times" panose="02020603050405020304" pitchFamily="18" charset="0"/>
+                        <a:ea typeface="Calibri" panose="020F0502020204030204" pitchFamily="34" charset="0"/>
+                        <a:cs typeface="Times New Roman" panose="02020603050405020304" pitchFamily="18" charset="0"/>
+                      </a:endParaRPr>
+                    </a:p>
+                  </a:txBody>
+                  <a:tcPr marL="68580" marR="68580" marT="0" marB="0"/>
+                </a:tc>
+                <a:extLst>
+                  <a:ext uri="{0D108BD9-81ED-4DB2-BD59-A6C34878D82A}">
+                    <a16:rowId xmlns:a16="http://schemas.microsoft.com/office/drawing/2014/main" val="4185417272"/>
+                  </a:ext>
+                </a:extLst>
+              </a:tr>
+              <a:tr h="773373">
+                <a:tc>
+                  <a:txBody>
+                    <a:bodyPr/>
+                    <a:lstStyle/>
+                    <a:p>
+                      <a:pPr marL="0" marR="0" algn="just">
+                        <a:lnSpc>
+                          <a:spcPct val="200000"/>
+                        </a:lnSpc>
+                        <a:spcBef>
+                          <a:spcPts val="1200"/>
+                        </a:spcBef>
+                        <a:spcAft>
+                          <a:spcPts val="0"/>
+                        </a:spcAft>
+                      </a:pPr>
+                      <a:r>
+                        <a:rPr lang="en-US" sz="2400">
+                          <a:effectLst/>
+                          <a:latin typeface="Times" panose="02020603050405020304" pitchFamily="18" charset="0"/>
+                        </a:rPr>
+                        <a:t>Pratylenchids </a:t>
+                      </a:r>
+                      <a:endParaRPr lang="en-GB" sz="2000">
+                        <a:effectLst/>
+                        <a:latin typeface="Times" panose="02020603050405020304" pitchFamily="18" charset="0"/>
+                        <a:ea typeface="Calibri" panose="020F0502020204030204" pitchFamily="34" charset="0"/>
+                        <a:cs typeface="Times New Roman" panose="02020603050405020304" pitchFamily="18" charset="0"/>
+                      </a:endParaRPr>
+                    </a:p>
+                  </a:txBody>
+                  <a:tcPr marL="68580" marR="68580" marT="0" marB="0"/>
+                </a:tc>
+                <a:tc>
+                  <a:txBody>
+                    <a:bodyPr/>
+                    <a:lstStyle/>
+                    <a:p>
+                      <a:pPr marL="0" marR="0" algn="just">
+                        <a:lnSpc>
+                          <a:spcPct val="200000"/>
+                        </a:lnSpc>
+                        <a:spcBef>
+                          <a:spcPts val="1200"/>
+                        </a:spcBef>
+                        <a:spcAft>
+                          <a:spcPts val="0"/>
+                        </a:spcAft>
+                      </a:pPr>
+                      <a:r>
+                        <a:rPr lang="en-US" sz="2400">
+                          <a:effectLst/>
+                          <a:latin typeface="Times" panose="02020603050405020304" pitchFamily="18" charset="0"/>
+                        </a:rPr>
+                        <a:t>14</a:t>
+                      </a:r>
+                      <a:endParaRPr lang="en-GB" sz="2000">
+                        <a:effectLst/>
+                        <a:latin typeface="Times" panose="02020603050405020304" pitchFamily="18" charset="0"/>
+                        <a:ea typeface="Calibri" panose="020F0502020204030204" pitchFamily="34" charset="0"/>
+                        <a:cs typeface="Times New Roman" panose="02020603050405020304" pitchFamily="18" charset="0"/>
+                      </a:endParaRPr>
+                    </a:p>
+                  </a:txBody>
+                  <a:tcPr marL="68580" marR="68580" marT="0" marB="0"/>
+                </a:tc>
+                <a:tc>
+                  <a:txBody>
+                    <a:bodyPr/>
+                    <a:lstStyle/>
+                    <a:p>
+                      <a:pPr marL="0" marR="0" algn="just">
+                        <a:lnSpc>
+                          <a:spcPct val="200000"/>
+                        </a:lnSpc>
+                        <a:spcBef>
+                          <a:spcPts val="1200"/>
+                        </a:spcBef>
+                        <a:spcAft>
+                          <a:spcPts val="0"/>
+                        </a:spcAft>
+                      </a:pPr>
+                      <a:r>
+                        <a:rPr lang="en-US" sz="2400">
+                          <a:effectLst/>
+                          <a:latin typeface="Times" panose="02020603050405020304" pitchFamily="18" charset="0"/>
+                        </a:rPr>
+                        <a:t>34.1</a:t>
+                      </a:r>
+                      <a:endParaRPr lang="en-GB" sz="2000">
+                        <a:effectLst/>
+                        <a:latin typeface="Times" panose="02020603050405020304" pitchFamily="18" charset="0"/>
+                        <a:ea typeface="Calibri" panose="020F0502020204030204" pitchFamily="34" charset="0"/>
+                        <a:cs typeface="Times New Roman" panose="02020603050405020304" pitchFamily="18" charset="0"/>
+                      </a:endParaRPr>
+                    </a:p>
+                  </a:txBody>
+                  <a:tcPr marL="68580" marR="68580" marT="0" marB="0"/>
+                </a:tc>
+                <a:extLst>
+                  <a:ext uri="{0D108BD9-81ED-4DB2-BD59-A6C34878D82A}">
+                    <a16:rowId xmlns:a16="http://schemas.microsoft.com/office/drawing/2014/main" val="326011746"/>
+                  </a:ext>
+                </a:extLst>
+              </a:tr>
+              <a:tr h="773373">
+                <a:tc>
+                  <a:txBody>
+                    <a:bodyPr/>
+                    <a:lstStyle/>
+                    <a:p>
+                      <a:pPr marL="0" marR="0" algn="just">
+                        <a:lnSpc>
+                          <a:spcPct val="200000"/>
+                        </a:lnSpc>
+                        <a:spcBef>
+                          <a:spcPts val="1200"/>
+                        </a:spcBef>
+                        <a:spcAft>
+                          <a:spcPts val="0"/>
+                        </a:spcAft>
+                      </a:pPr>
+                      <a:r>
+                        <a:rPr lang="en-US" sz="2400" dirty="0" err="1">
+                          <a:effectLst/>
+                          <a:latin typeface="Times" panose="02020603050405020304" pitchFamily="18" charset="0"/>
+                        </a:rPr>
+                        <a:t>Criconemella</a:t>
+                      </a:r>
+                      <a:endParaRPr lang="en-GB" sz="2000" dirty="0">
+                        <a:effectLst/>
+                        <a:latin typeface="Times" panose="02020603050405020304" pitchFamily="18" charset="0"/>
+                        <a:ea typeface="Calibri" panose="020F0502020204030204" pitchFamily="34" charset="0"/>
+                        <a:cs typeface="Times New Roman" panose="02020603050405020304" pitchFamily="18" charset="0"/>
+                      </a:endParaRPr>
+                    </a:p>
+                  </a:txBody>
+                  <a:tcPr marL="68580" marR="68580" marT="0" marB="0"/>
+                </a:tc>
+                <a:tc>
+                  <a:txBody>
+                    <a:bodyPr/>
+                    <a:lstStyle/>
+                    <a:p>
+                      <a:pPr marL="0" marR="0" algn="just">
+                        <a:lnSpc>
+                          <a:spcPct val="200000"/>
+                        </a:lnSpc>
+                        <a:spcBef>
+                          <a:spcPts val="1200"/>
+                        </a:spcBef>
+                        <a:spcAft>
+                          <a:spcPts val="0"/>
+                        </a:spcAft>
+                      </a:pPr>
+                      <a:r>
+                        <a:rPr lang="en-US" sz="2400">
+                          <a:effectLst/>
+                          <a:latin typeface="Times" panose="02020603050405020304" pitchFamily="18" charset="0"/>
+                        </a:rPr>
+                        <a:t>4</a:t>
+                      </a:r>
+                      <a:endParaRPr lang="en-GB" sz="2000">
+                        <a:effectLst/>
+                        <a:latin typeface="Times" panose="02020603050405020304" pitchFamily="18" charset="0"/>
+                        <a:ea typeface="Calibri" panose="020F0502020204030204" pitchFamily="34" charset="0"/>
+                        <a:cs typeface="Times New Roman" panose="02020603050405020304" pitchFamily="18" charset="0"/>
+                      </a:endParaRPr>
+                    </a:p>
+                  </a:txBody>
+                  <a:tcPr marL="68580" marR="68580" marT="0" marB="0"/>
+                </a:tc>
+                <a:tc>
+                  <a:txBody>
+                    <a:bodyPr/>
+                    <a:lstStyle/>
+                    <a:p>
+                      <a:pPr marL="0" marR="0" algn="just">
+                        <a:lnSpc>
+                          <a:spcPct val="200000"/>
+                        </a:lnSpc>
+                        <a:spcBef>
+                          <a:spcPts val="1200"/>
+                        </a:spcBef>
+                        <a:spcAft>
+                          <a:spcPts val="0"/>
+                        </a:spcAft>
+                      </a:pPr>
+                      <a:r>
+                        <a:rPr lang="en-US" sz="2400">
+                          <a:effectLst/>
+                          <a:latin typeface="Times" panose="02020603050405020304" pitchFamily="18" charset="0"/>
+                        </a:rPr>
+                        <a:t>9.7</a:t>
+                      </a:r>
+                      <a:endParaRPr lang="en-GB" sz="2000">
+                        <a:effectLst/>
+                        <a:latin typeface="Times" panose="02020603050405020304" pitchFamily="18" charset="0"/>
+                        <a:ea typeface="Calibri" panose="020F0502020204030204" pitchFamily="34" charset="0"/>
+                        <a:cs typeface="Times New Roman" panose="02020603050405020304" pitchFamily="18" charset="0"/>
+                      </a:endParaRPr>
+                    </a:p>
+                  </a:txBody>
+                  <a:tcPr marL="68580" marR="68580" marT="0" marB="0"/>
+                </a:tc>
+                <a:extLst>
+                  <a:ext uri="{0D108BD9-81ED-4DB2-BD59-A6C34878D82A}">
+                    <a16:rowId xmlns:a16="http://schemas.microsoft.com/office/drawing/2014/main" val="2245288471"/>
+                  </a:ext>
+                </a:extLst>
+              </a:tr>
+              <a:tr h="773373">
+                <a:tc>
+                  <a:txBody>
+                    <a:bodyPr/>
+                    <a:lstStyle/>
+                    <a:p>
+                      <a:pPr marL="0" marR="0" algn="just">
+                        <a:lnSpc>
+                          <a:spcPct val="200000"/>
+                        </a:lnSpc>
+                        <a:spcBef>
+                          <a:spcPts val="1200"/>
+                        </a:spcBef>
+                        <a:spcAft>
+                          <a:spcPts val="0"/>
+                        </a:spcAft>
+                      </a:pPr>
+                      <a:r>
+                        <a:rPr lang="en-US" sz="2400">
+                          <a:effectLst/>
+                          <a:latin typeface="Times" panose="02020603050405020304" pitchFamily="18" charset="0"/>
+                        </a:rPr>
+                        <a:t>Rotylenchulus </a:t>
+                      </a:r>
+                      <a:endParaRPr lang="en-GB" sz="2000">
+                        <a:effectLst/>
+                        <a:latin typeface="Times" panose="02020603050405020304" pitchFamily="18" charset="0"/>
+                        <a:ea typeface="Calibri" panose="020F0502020204030204" pitchFamily="34" charset="0"/>
+                        <a:cs typeface="Times New Roman" panose="02020603050405020304" pitchFamily="18" charset="0"/>
+                      </a:endParaRPr>
+                    </a:p>
+                  </a:txBody>
+                  <a:tcPr marL="68580" marR="68580" marT="0" marB="0"/>
+                </a:tc>
+                <a:tc>
+                  <a:txBody>
+                    <a:bodyPr/>
+                    <a:lstStyle/>
+                    <a:p>
+                      <a:pPr marL="0" marR="0" algn="just">
+                        <a:lnSpc>
+                          <a:spcPct val="200000"/>
+                        </a:lnSpc>
+                        <a:spcBef>
+                          <a:spcPts val="1200"/>
+                        </a:spcBef>
+                        <a:spcAft>
+                          <a:spcPts val="0"/>
+                        </a:spcAft>
+                      </a:pPr>
+                      <a:r>
+                        <a:rPr lang="en-US" sz="2400">
+                          <a:effectLst/>
+                          <a:latin typeface="Times" panose="02020603050405020304" pitchFamily="18" charset="0"/>
+                        </a:rPr>
+                        <a:t>3</a:t>
+                      </a:r>
+                      <a:endParaRPr lang="en-GB" sz="2000">
+                        <a:effectLst/>
+                        <a:latin typeface="Times" panose="02020603050405020304" pitchFamily="18" charset="0"/>
+                        <a:ea typeface="Calibri" panose="020F0502020204030204" pitchFamily="34" charset="0"/>
+                        <a:cs typeface="Times New Roman" panose="02020603050405020304" pitchFamily="18" charset="0"/>
+                      </a:endParaRPr>
+                    </a:p>
+                  </a:txBody>
+                  <a:tcPr marL="68580" marR="68580" marT="0" marB="0"/>
+                </a:tc>
+                <a:tc>
+                  <a:txBody>
+                    <a:bodyPr/>
+                    <a:lstStyle/>
+                    <a:p>
+                      <a:pPr marL="0" marR="0" algn="just">
+                        <a:lnSpc>
+                          <a:spcPct val="200000"/>
+                        </a:lnSpc>
+                        <a:spcBef>
+                          <a:spcPts val="1200"/>
+                        </a:spcBef>
+                        <a:spcAft>
+                          <a:spcPts val="0"/>
+                        </a:spcAft>
+                      </a:pPr>
+                      <a:r>
+                        <a:rPr lang="en-US" sz="2400">
+                          <a:effectLst/>
+                          <a:latin typeface="Times" panose="02020603050405020304" pitchFamily="18" charset="0"/>
+                        </a:rPr>
+                        <a:t>7.3</a:t>
+                      </a:r>
+                      <a:endParaRPr lang="en-GB" sz="2000">
+                        <a:effectLst/>
+                        <a:latin typeface="Times" panose="02020603050405020304" pitchFamily="18" charset="0"/>
+                        <a:ea typeface="Calibri" panose="020F0502020204030204" pitchFamily="34" charset="0"/>
+                        <a:cs typeface="Times New Roman" panose="02020603050405020304" pitchFamily="18" charset="0"/>
+                      </a:endParaRPr>
+                    </a:p>
+                  </a:txBody>
+                  <a:tcPr marL="68580" marR="68580" marT="0" marB="0"/>
+                </a:tc>
+                <a:extLst>
+                  <a:ext uri="{0D108BD9-81ED-4DB2-BD59-A6C34878D82A}">
+                    <a16:rowId xmlns:a16="http://schemas.microsoft.com/office/drawing/2014/main" val="1893206377"/>
+                  </a:ext>
+                </a:extLst>
+              </a:tr>
+              <a:tr h="773373">
+                <a:tc>
+                  <a:txBody>
+                    <a:bodyPr/>
+                    <a:lstStyle/>
+                    <a:p>
+                      <a:pPr marL="0" marR="0" algn="just">
+                        <a:lnSpc>
+                          <a:spcPct val="200000"/>
+                        </a:lnSpc>
+                        <a:spcBef>
+                          <a:spcPts val="1200"/>
+                        </a:spcBef>
+                        <a:spcAft>
+                          <a:spcPts val="0"/>
+                        </a:spcAft>
+                      </a:pPr>
+                      <a:r>
+                        <a:rPr lang="en-US" sz="2400">
+                          <a:effectLst/>
+                          <a:latin typeface="Times" panose="02020603050405020304" pitchFamily="18" charset="0"/>
+                        </a:rPr>
+                        <a:t>Total </a:t>
+                      </a:r>
+                      <a:endParaRPr lang="en-GB" sz="2000">
+                        <a:effectLst/>
+                        <a:latin typeface="Times" panose="02020603050405020304" pitchFamily="18" charset="0"/>
+                        <a:ea typeface="Calibri" panose="020F0502020204030204" pitchFamily="34" charset="0"/>
+                        <a:cs typeface="Times New Roman" panose="02020603050405020304" pitchFamily="18" charset="0"/>
+                      </a:endParaRPr>
+                    </a:p>
+                  </a:txBody>
+                  <a:tcPr marL="68580" marR="68580" marT="0" marB="0"/>
+                </a:tc>
+                <a:tc>
+                  <a:txBody>
+                    <a:bodyPr/>
+                    <a:lstStyle/>
+                    <a:p>
+                      <a:pPr marL="0" marR="0" algn="just">
+                        <a:lnSpc>
+                          <a:spcPct val="200000"/>
+                        </a:lnSpc>
+                        <a:spcBef>
+                          <a:spcPts val="1200"/>
+                        </a:spcBef>
+                        <a:spcAft>
+                          <a:spcPts val="0"/>
+                        </a:spcAft>
+                      </a:pPr>
+                      <a:r>
+                        <a:rPr lang="en-US" sz="2400">
+                          <a:effectLst/>
+                          <a:latin typeface="Times" panose="02020603050405020304" pitchFamily="18" charset="0"/>
+                        </a:rPr>
+                        <a:t>41</a:t>
+                      </a:r>
+                      <a:endParaRPr lang="en-GB" sz="2000">
+                        <a:effectLst/>
+                        <a:latin typeface="Times" panose="02020603050405020304" pitchFamily="18" charset="0"/>
+                        <a:ea typeface="Calibri" panose="020F0502020204030204" pitchFamily="34" charset="0"/>
+                        <a:cs typeface="Times New Roman" panose="02020603050405020304" pitchFamily="18" charset="0"/>
+                      </a:endParaRPr>
+                    </a:p>
+                  </a:txBody>
+                  <a:tcPr marL="68580" marR="68580" marT="0" marB="0"/>
+                </a:tc>
+                <a:tc>
+                  <a:txBody>
+                    <a:bodyPr/>
+                    <a:lstStyle/>
+                    <a:p>
+                      <a:pPr marL="0" marR="0" algn="just">
+                        <a:lnSpc>
+                          <a:spcPct val="200000"/>
+                        </a:lnSpc>
+                        <a:spcBef>
+                          <a:spcPts val="1200"/>
+                        </a:spcBef>
+                        <a:spcAft>
+                          <a:spcPts val="0"/>
+                        </a:spcAft>
+                      </a:pPr>
+                      <a:r>
+                        <a:rPr lang="en-US" sz="2400" dirty="0">
+                          <a:effectLst/>
+                          <a:latin typeface="Times" panose="02020603050405020304" pitchFamily="18" charset="0"/>
+                        </a:rPr>
+                        <a:t>99.8</a:t>
+                      </a:r>
+                      <a:endParaRPr lang="en-GB" sz="2000" dirty="0">
+                        <a:effectLst/>
+                        <a:latin typeface="Times" panose="02020603050405020304" pitchFamily="18" charset="0"/>
+                        <a:ea typeface="Calibri" panose="020F0502020204030204" pitchFamily="34" charset="0"/>
+                        <a:cs typeface="Times New Roman" panose="02020603050405020304" pitchFamily="18" charset="0"/>
+                      </a:endParaRPr>
+                    </a:p>
+                  </a:txBody>
+                  <a:tcPr marL="68580" marR="68580" marT="0" marB="0"/>
+                </a:tc>
+                <a:extLst>
+                  <a:ext uri="{0D108BD9-81ED-4DB2-BD59-A6C34878D82A}">
+                    <a16:rowId xmlns:a16="http://schemas.microsoft.com/office/drawing/2014/main" val="1197538937"/>
+                  </a:ext>
+                </a:extLst>
+              </a:tr>
+            </a:tbl>
+          </a:graphicData>
+        </a:graphic>
+      </p:graphicFrame>
+      <p:sp>
+        <p:nvSpPr>
+          <p:cNvPr id="8" name="Rectangle 1">
+            <a:extLst>
+              <a:ext uri="{FF2B5EF4-FFF2-40B4-BE49-F238E27FC236}">
+                <a16:creationId xmlns:a16="http://schemas.microsoft.com/office/drawing/2014/main" id="{A017D107-2F05-40B4-82A4-454E720FE0CE}"/>
+              </a:ext>
+            </a:extLst>
+          </p:cNvPr>
+          <p:cNvSpPr>
+            <a:spLocks noChangeArrowheads="1"/>
+          </p:cNvSpPr>
+          <p:nvPr/>
+        </p:nvSpPr>
+        <p:spPr bwMode="auto">
+          <a:xfrm>
+            <a:off x="701722" y="1205528"/>
+            <a:ext cx="6205288" cy="892552"/>
+          </a:xfrm>
+          <a:prstGeom prst="rect">
+            <a:avLst/>
+          </a:prstGeom>
+          <a:noFill/>
+          <a:ln>
+            <a:noFill/>
+          </a:ln>
+          <a:effectLst/>
+          <a:extLst>
+            <a:ext uri="{909E8E84-426E-40DD-AFC4-6F175D3DCCD1}">
+              <a14:hiddenFill xmlns:a14="http://schemas.microsoft.com/office/drawing/2010/main">
+                <a:solidFill>
+                  <a:schemeClr val="accent1"/>
+                </a:solidFill>
+              </a14:hiddenFill>
+            </a:ext>
+            <a:ext uri="{91240B29-F687-4F45-9708-019B960494DF}">
+              <a14:hiddenLine xmlns:a14="http://schemas.microsoft.com/office/drawing/2010/main" w="9525">
+                <a:solidFill>
+                  <a:schemeClr val="tx1"/>
+                </a:solidFill>
+                <a:miter lim="800000"/>
+                <a:headEnd/>
+                <a:tailEnd/>
+              </a14:hiddenLine>
+            </a:ext>
+            <a:ext uri="{AF507438-7753-43E0-B8FC-AC1667EBCBE1}">
+              <a14:hiddenEffects xmlns:a14="http://schemas.microsoft.com/office/drawing/2010/main">
+                <a:effectLst>
+                  <a:outerShdw dist="35921" dir="2700000" algn="ctr" rotWithShape="0">
+                    <a:schemeClr val="bg2"/>
+                  </a:outerShdw>
+                </a:effectLst>
+              </a14:hiddenEffects>
+            </a:ext>
+          </a:extLst>
+        </p:spPr>
+        <p:txBody>
+          <a:bodyPr vert="horz" wrap="none" lIns="91440" tIns="45720" rIns="91440" bIns="45720" numCol="1" anchor="ctr" anchorCtr="0" compatLnSpc="1">
+            <a:prstTxWarp prst="textNoShape">
+              <a:avLst/>
+            </a:prstTxWarp>
+            <a:spAutoFit/>
+          </a:bodyPr>
+          <a:lstStyle/>
+          <a:p>
+            <a:pPr marL="0" marR="0" lvl="0" indent="0" algn="l" defTabSz="914400" rtl="0" eaLnBrk="0" fontAlgn="base" latinLnBrk="0" hangingPunct="0">
+              <a:lnSpc>
+                <a:spcPct val="100000"/>
+              </a:lnSpc>
+              <a:spcBef>
+                <a:spcPct val="0"/>
+              </a:spcBef>
+              <a:spcAft>
+                <a:spcPct val="0"/>
+              </a:spcAft>
+              <a:buClrTx/>
+              <a:buSzTx/>
+              <a:buFontTx/>
               <a:buNone/>
+              <a:tabLst/>
             </a:pPr>
             <a:r>
-              <a:rPr lang="en-US" dirty="0">
-                <a:solidFill>
-                  <a:schemeClr val="tx1"/>
-                </a:solidFill>
+              <a:rPr kumimoji="0" lang="en-US" altLang="en-US" sz="2000" b="0" i="0" u="none" strike="noStrike" cap="none" normalizeH="0" baseline="0" dirty="0">
+                <a:ln>
+                  <a:noFill/>
+                </a:ln>
+                <a:solidFill>
+                  <a:srgbClr val="000000"/>
+                </a:solidFill>
+                <a:effectLst/>
                 <a:latin typeface="Times New Roman" panose="02020603050405020304" pitchFamily="18" charset="0"/>
+                <a:ea typeface="Calibri" panose="020F0502020204030204" pitchFamily="34" charset="0"/>
                 <a:cs typeface="Times New Roman" panose="02020603050405020304" pitchFamily="18" charset="0"/>
               </a:rPr>
-              <a:t>Baba, M. M., Ibrahim, I. A., </a:t>
-            </a:r>
-            <a:r>
-              <a:rPr lang="en-US" dirty="0" err="1">
-                <a:solidFill>
-                  <a:schemeClr val="tx1"/>
-                </a:solidFill>
-                <a:latin typeface="Times New Roman" panose="02020603050405020304" pitchFamily="18" charset="0"/>
-                <a:cs typeface="Times New Roman" panose="02020603050405020304" pitchFamily="18" charset="0"/>
-              </a:rPr>
-              <a:t>Adefila</a:t>
-            </a:r>
-            <a:r>
-              <a:rPr lang="en-US" dirty="0">
-                <a:solidFill>
-                  <a:schemeClr val="tx1"/>
-                </a:solidFill>
-                <a:latin typeface="Times New Roman" panose="02020603050405020304" pitchFamily="18" charset="0"/>
-                <a:cs typeface="Times New Roman" panose="02020603050405020304" pitchFamily="18" charset="0"/>
-              </a:rPr>
-              <a:t>, F. S., &amp; Ibrahim, A. O. (2018). Nematodes associated with yam (</a:t>
-            </a:r>
-            <a:r>
-              <a:rPr lang="en-US" dirty="0" err="1">
-                <a:solidFill>
-                  <a:schemeClr val="tx1"/>
-                </a:solidFill>
-                <a:latin typeface="Times New Roman" panose="02020603050405020304" pitchFamily="18" charset="0"/>
-                <a:cs typeface="Times New Roman" panose="02020603050405020304" pitchFamily="18" charset="0"/>
-              </a:rPr>
-              <a:t>Dioscorea</a:t>
-            </a:r>
-            <a:r>
-              <a:rPr lang="en-US" dirty="0">
-                <a:solidFill>
-                  <a:schemeClr val="tx1"/>
-                </a:solidFill>
-                <a:latin typeface="Times New Roman" panose="02020603050405020304" pitchFamily="18" charset="0"/>
-                <a:cs typeface="Times New Roman" panose="02020603050405020304" pitchFamily="18" charset="0"/>
-              </a:rPr>
-              <a:t> spp.) in </a:t>
-            </a:r>
-            <a:r>
-              <a:rPr lang="en-US" dirty="0" err="1">
-                <a:solidFill>
-                  <a:schemeClr val="tx1"/>
-                </a:solidFill>
-                <a:latin typeface="Times New Roman" panose="02020603050405020304" pitchFamily="18" charset="0"/>
-                <a:cs typeface="Times New Roman" panose="02020603050405020304" pitchFamily="18" charset="0"/>
-              </a:rPr>
-              <a:t>Zuru</a:t>
-            </a:r>
-            <a:r>
-              <a:rPr lang="en-US" dirty="0">
-                <a:solidFill>
-                  <a:schemeClr val="tx1"/>
-                </a:solidFill>
-                <a:latin typeface="Times New Roman" panose="02020603050405020304" pitchFamily="18" charset="0"/>
-                <a:cs typeface="Times New Roman" panose="02020603050405020304" pitchFamily="18" charset="0"/>
-              </a:rPr>
-              <a:t>, Kebbi State, Nigeria. </a:t>
-            </a:r>
-            <a:r>
-              <a:rPr lang="en-US" i="1" dirty="0">
-                <a:solidFill>
-                  <a:schemeClr val="tx1"/>
-                </a:solidFill>
-                <a:latin typeface="Times New Roman" panose="02020603050405020304" pitchFamily="18" charset="0"/>
-                <a:cs typeface="Times New Roman" panose="02020603050405020304" pitchFamily="18" charset="0"/>
-              </a:rPr>
-              <a:t>Journal of Plant Protection Research</a:t>
-            </a:r>
-            <a:r>
-              <a:rPr lang="en-US" dirty="0">
-                <a:solidFill>
-                  <a:schemeClr val="tx1"/>
-                </a:solidFill>
-                <a:latin typeface="Times New Roman" panose="02020603050405020304" pitchFamily="18" charset="0"/>
-                <a:cs typeface="Times New Roman" panose="02020603050405020304" pitchFamily="18" charset="0"/>
-              </a:rPr>
-              <a:t>, 58(1), 73-78.</a:t>
-            </a:r>
-            <a:endParaRPr lang="en-GB" dirty="0">
+              <a:t>Table 4.2: Prevalence of groundnut root nematodes farm B</a:t>
+            </a:r>
+            <a:endParaRPr kumimoji="0" lang="en-GB" altLang="en-US" b="0" i="0" u="none" strike="noStrike" cap="none" normalizeH="0" baseline="0" dirty="0">
+              <a:ln>
+                <a:noFill/>
+              </a:ln>
               <a:solidFill>
                 <a:schemeClr val="tx1"/>
               </a:solidFill>
-              <a:latin typeface="Times New Roman" panose="02020603050405020304" pitchFamily="18" charset="0"/>
-              <a:cs typeface="Times New Roman" panose="02020603050405020304" pitchFamily="18" charset="0"/>
+              <a:effectLst/>
             </a:endParaRPr>
           </a:p>
           <a:p>
-            <a:pPr marL="463550" indent="-463550">
+            <a:pPr marL="0" marR="0" lvl="0" indent="0" algn="l" defTabSz="914400" rtl="0" eaLnBrk="0" fontAlgn="base" latinLnBrk="0" hangingPunct="0">
+              <a:lnSpc>
+                <a:spcPct val="100000"/>
+              </a:lnSpc>
+              <a:spcBef>
+                <a:spcPct val="0"/>
+              </a:spcBef>
+              <a:spcAft>
+                <a:spcPct val="0"/>
+              </a:spcAft>
+              <a:buClrTx/>
+              <a:buSzTx/>
+              <a:buFontTx/>
               <a:buNone/>
+              <a:tabLst/>
             </a:pPr>
-            <a:r>
-              <a:rPr lang="en-US" dirty="0">
-                <a:solidFill>
-                  <a:schemeClr val="tx1"/>
-                </a:solidFill>
-                <a:latin typeface="Times New Roman" panose="02020603050405020304" pitchFamily="18" charset="0"/>
-                <a:cs typeface="Times New Roman" panose="02020603050405020304" pitchFamily="18" charset="0"/>
-              </a:rPr>
-              <a:t>Chitwood, D. J. (2002). Phylogenetic relationships of the nematode genera of the family </a:t>
-            </a:r>
-            <a:r>
-              <a:rPr lang="en-US" dirty="0" err="1">
-                <a:solidFill>
-                  <a:schemeClr val="tx1"/>
-                </a:solidFill>
-                <a:latin typeface="Times New Roman" panose="02020603050405020304" pitchFamily="18" charset="0"/>
-                <a:cs typeface="Times New Roman" panose="02020603050405020304" pitchFamily="18" charset="0"/>
-              </a:rPr>
-              <a:t>Hoplolaimidae</a:t>
-            </a:r>
-            <a:r>
-              <a:rPr lang="en-US" dirty="0">
-                <a:solidFill>
-                  <a:schemeClr val="tx1"/>
-                </a:solidFill>
-                <a:latin typeface="Times New Roman" panose="02020603050405020304" pitchFamily="18" charset="0"/>
-                <a:cs typeface="Times New Roman" panose="02020603050405020304" pitchFamily="18" charset="0"/>
-              </a:rPr>
-              <a:t> (Nematoda: </a:t>
-            </a:r>
-            <a:r>
-              <a:rPr lang="en-US" dirty="0" err="1">
-                <a:solidFill>
-                  <a:schemeClr val="tx1"/>
-                </a:solidFill>
-                <a:latin typeface="Times New Roman" panose="02020603050405020304" pitchFamily="18" charset="0"/>
-                <a:cs typeface="Times New Roman" panose="02020603050405020304" pitchFamily="18" charset="0"/>
-              </a:rPr>
-              <a:t>Tylenchida</a:t>
-            </a:r>
-            <a:r>
-              <a:rPr lang="en-US" dirty="0">
-                <a:solidFill>
-                  <a:schemeClr val="tx1"/>
-                </a:solidFill>
-                <a:latin typeface="Times New Roman" panose="02020603050405020304" pitchFamily="18" charset="0"/>
-                <a:cs typeface="Times New Roman" panose="02020603050405020304" pitchFamily="18" charset="0"/>
-              </a:rPr>
-              <a:t>). </a:t>
-            </a:r>
-            <a:r>
-              <a:rPr lang="en-US" i="1" dirty="0">
-                <a:solidFill>
-                  <a:schemeClr val="tx1"/>
-                </a:solidFill>
-                <a:latin typeface="Times New Roman" panose="02020603050405020304" pitchFamily="18" charset="0"/>
-                <a:cs typeface="Times New Roman" panose="02020603050405020304" pitchFamily="18" charset="0"/>
-              </a:rPr>
-              <a:t>Journal of Nematology</a:t>
-            </a:r>
-            <a:r>
-              <a:rPr lang="en-US" dirty="0">
-                <a:solidFill>
-                  <a:schemeClr val="tx1"/>
-                </a:solidFill>
-                <a:latin typeface="Times New Roman" panose="02020603050405020304" pitchFamily="18" charset="0"/>
-                <a:cs typeface="Times New Roman" panose="02020603050405020304" pitchFamily="18" charset="0"/>
-              </a:rPr>
-              <a:t>, 34(1), 8–14.</a:t>
-            </a:r>
-          </a:p>
-          <a:p>
-            <a:pPr marL="463550" indent="-463550">
-              <a:buNone/>
-            </a:pPr>
-            <a:r>
-              <a:rPr lang="en-US" dirty="0">
-                <a:solidFill>
-                  <a:schemeClr val="tx1"/>
-                </a:solidFill>
-                <a:latin typeface="Times New Roman" panose="02020603050405020304" pitchFamily="18" charset="0"/>
-                <a:cs typeface="Times New Roman" panose="02020603050405020304" pitchFamily="18" charset="0"/>
-              </a:rPr>
-              <a:t>Chitwood, D. J. (2003). Research on plant-parasitic nematode biology conducted by the United States Department of Agriculture-Agricultural Research Service. </a:t>
-            </a:r>
-            <a:r>
-              <a:rPr lang="en-US" i="1" dirty="0">
-                <a:solidFill>
-                  <a:schemeClr val="tx1"/>
-                </a:solidFill>
-                <a:latin typeface="Times New Roman" panose="02020603050405020304" pitchFamily="18" charset="0"/>
-                <a:cs typeface="Times New Roman" panose="02020603050405020304" pitchFamily="18" charset="0"/>
-              </a:rPr>
-              <a:t>Pest Management Science</a:t>
-            </a:r>
-            <a:r>
-              <a:rPr lang="en-US" dirty="0">
-                <a:solidFill>
-                  <a:schemeClr val="tx1"/>
-                </a:solidFill>
-                <a:latin typeface="Times New Roman" panose="02020603050405020304" pitchFamily="18" charset="0"/>
-                <a:cs typeface="Times New Roman" panose="02020603050405020304" pitchFamily="18" charset="0"/>
-              </a:rPr>
-              <a:t>, 59(6-7), 748–753.</a:t>
-            </a:r>
-            <a:endParaRPr lang="en-GB" dirty="0">
+            <a:endParaRPr kumimoji="0" lang="en-GB" altLang="en-US" sz="3200" b="0" i="0" u="none" strike="noStrike" cap="none" normalizeH="0" baseline="0" dirty="0">
+              <a:ln>
+                <a:noFill/>
+              </a:ln>
               <a:solidFill>
                 <a:schemeClr val="tx1"/>
               </a:solidFill>
-              <a:latin typeface="Times New Roman" panose="02020603050405020304" pitchFamily="18" charset="0"/>
-              <a:cs typeface="Times New Roman" panose="02020603050405020304" pitchFamily="18" charset="0"/>
-            </a:endParaRPr>
-          </a:p>
-          <a:p>
-            <a:pPr marL="463550" indent="-463550">
-              <a:buNone/>
-            </a:pPr>
-            <a:r>
-              <a:rPr lang="en-US" dirty="0" err="1">
-                <a:solidFill>
-                  <a:schemeClr val="tx1"/>
-                </a:solidFill>
-                <a:latin typeface="Times New Roman" panose="02020603050405020304" pitchFamily="18" charset="0"/>
-                <a:cs typeface="Times New Roman" panose="02020603050405020304" pitchFamily="18" charset="0"/>
-              </a:rPr>
-              <a:t>Egunjobi</a:t>
-            </a:r>
-            <a:r>
-              <a:rPr lang="en-US" dirty="0">
-                <a:solidFill>
-                  <a:schemeClr val="tx1"/>
-                </a:solidFill>
-                <a:latin typeface="Times New Roman" panose="02020603050405020304" pitchFamily="18" charset="0"/>
-                <a:cs typeface="Times New Roman" panose="02020603050405020304" pitchFamily="18" charset="0"/>
-              </a:rPr>
-              <a:t>, J. K. (2014). Plant-parasitic nematodes associated with the roots of African yam bean (</a:t>
-            </a:r>
-            <a:r>
-              <a:rPr lang="en-US" dirty="0" err="1">
-                <a:solidFill>
-                  <a:schemeClr val="tx1"/>
-                </a:solidFill>
-                <a:latin typeface="Times New Roman" panose="02020603050405020304" pitchFamily="18" charset="0"/>
-                <a:cs typeface="Times New Roman" panose="02020603050405020304" pitchFamily="18" charset="0"/>
-              </a:rPr>
-              <a:t>Sphenostylis</a:t>
-            </a:r>
-            <a:r>
-              <a:rPr lang="en-US" dirty="0">
-                <a:solidFill>
-                  <a:schemeClr val="tx1"/>
-                </a:solidFill>
-                <a:latin typeface="Times New Roman" panose="02020603050405020304" pitchFamily="18" charset="0"/>
-                <a:cs typeface="Times New Roman" panose="02020603050405020304" pitchFamily="18" charset="0"/>
-              </a:rPr>
-              <a:t> </a:t>
-            </a:r>
-            <a:r>
-              <a:rPr lang="en-US" dirty="0" err="1">
-                <a:solidFill>
-                  <a:schemeClr val="tx1"/>
-                </a:solidFill>
-                <a:latin typeface="Times New Roman" panose="02020603050405020304" pitchFamily="18" charset="0"/>
-                <a:cs typeface="Times New Roman" panose="02020603050405020304" pitchFamily="18" charset="0"/>
-              </a:rPr>
-              <a:t>stenocarpa</a:t>
-            </a:r>
-            <a:r>
-              <a:rPr lang="en-US" dirty="0">
-                <a:solidFill>
-                  <a:schemeClr val="tx1"/>
-                </a:solidFill>
-                <a:latin typeface="Times New Roman" panose="02020603050405020304" pitchFamily="18" charset="0"/>
-                <a:cs typeface="Times New Roman" panose="02020603050405020304" pitchFamily="18" charset="0"/>
-              </a:rPr>
-              <a:t>) in Nigeria. </a:t>
-            </a:r>
-            <a:r>
-              <a:rPr lang="en-US" i="1" dirty="0">
-                <a:solidFill>
-                  <a:schemeClr val="tx1"/>
-                </a:solidFill>
-                <a:latin typeface="Times New Roman" panose="02020603050405020304" pitchFamily="18" charset="0"/>
-                <a:cs typeface="Times New Roman" panose="02020603050405020304" pitchFamily="18" charset="0"/>
-              </a:rPr>
-              <a:t>Journal of Plant Diseases and Protection</a:t>
-            </a:r>
-            <a:r>
-              <a:rPr lang="en-US" dirty="0">
-                <a:solidFill>
-                  <a:schemeClr val="tx1"/>
-                </a:solidFill>
-                <a:latin typeface="Times New Roman" panose="02020603050405020304" pitchFamily="18" charset="0"/>
-                <a:cs typeface="Times New Roman" panose="02020603050405020304" pitchFamily="18" charset="0"/>
-              </a:rPr>
-              <a:t>, 121(2), 87-91.</a:t>
-            </a:r>
-            <a:endParaRPr lang="en-GB" dirty="0">
-              <a:solidFill>
-                <a:schemeClr val="tx1"/>
-              </a:solidFill>
-              <a:latin typeface="Times New Roman" panose="02020603050405020304" pitchFamily="18" charset="0"/>
-              <a:cs typeface="Times New Roman" panose="02020603050405020304" pitchFamily="18" charset="0"/>
-            </a:endParaRPr>
-          </a:p>
-          <a:p>
-            <a:pPr marL="463550" indent="-463550">
-              <a:buNone/>
-            </a:pPr>
-            <a:r>
-              <a:rPr lang="en-US" dirty="0" err="1">
-                <a:solidFill>
-                  <a:schemeClr val="tx1"/>
-                </a:solidFill>
-                <a:latin typeface="Times New Roman" panose="02020603050405020304" pitchFamily="18" charset="0"/>
-                <a:cs typeface="Times New Roman" panose="02020603050405020304" pitchFamily="18" charset="0"/>
-              </a:rPr>
-              <a:t>Eisenback</a:t>
-            </a:r>
-            <a:r>
-              <a:rPr lang="en-US" dirty="0">
-                <a:solidFill>
-                  <a:schemeClr val="tx1"/>
-                </a:solidFill>
-                <a:latin typeface="Times New Roman" panose="02020603050405020304" pitchFamily="18" charset="0"/>
-                <a:cs typeface="Times New Roman" panose="02020603050405020304" pitchFamily="18" charset="0"/>
-              </a:rPr>
-              <a:t>, J. D., &amp; Hunt, D. J. (2009). Nematode identification and systematic. In J. J. Perry &amp; M. </a:t>
-            </a:r>
-            <a:r>
-              <a:rPr lang="en-US" dirty="0" err="1">
-                <a:solidFill>
-                  <a:schemeClr val="tx1"/>
-                </a:solidFill>
-                <a:latin typeface="Times New Roman" panose="02020603050405020304" pitchFamily="18" charset="0"/>
-                <a:cs typeface="Times New Roman" panose="02020603050405020304" pitchFamily="18" charset="0"/>
-              </a:rPr>
-              <a:t>Moens</a:t>
-            </a:r>
-            <a:r>
-              <a:rPr lang="en-US" dirty="0">
-                <a:solidFill>
-                  <a:schemeClr val="tx1"/>
-                </a:solidFill>
-                <a:latin typeface="Times New Roman" panose="02020603050405020304" pitchFamily="18" charset="0"/>
-                <a:cs typeface="Times New Roman" panose="02020603050405020304" pitchFamily="18" charset="0"/>
-              </a:rPr>
-              <a:t> (Eds.), </a:t>
-            </a:r>
-            <a:r>
-              <a:rPr lang="en-US" i="1" dirty="0">
-                <a:solidFill>
-                  <a:schemeClr val="tx1"/>
-                </a:solidFill>
-                <a:latin typeface="Times New Roman" panose="02020603050405020304" pitchFamily="18" charset="0"/>
-                <a:cs typeface="Times New Roman" panose="02020603050405020304" pitchFamily="18" charset="0"/>
-              </a:rPr>
-              <a:t>Plant nematology</a:t>
-            </a:r>
-            <a:r>
-              <a:rPr lang="en-US" dirty="0">
-                <a:solidFill>
-                  <a:schemeClr val="tx1"/>
-                </a:solidFill>
-                <a:latin typeface="Times New Roman" panose="02020603050405020304" pitchFamily="18" charset="0"/>
-                <a:cs typeface="Times New Roman" panose="02020603050405020304" pitchFamily="18" charset="0"/>
-              </a:rPr>
-              <a:t> (pp. 53-83). Wallingford, UK: CAB International.</a:t>
-            </a:r>
-            <a:endParaRPr lang="en-GB" dirty="0">
-              <a:solidFill>
-                <a:schemeClr val="tx1"/>
-              </a:solidFill>
-              <a:latin typeface="Times New Roman" panose="02020603050405020304" pitchFamily="18" charset="0"/>
-              <a:cs typeface="Times New Roman" panose="02020603050405020304" pitchFamily="18" charset="0"/>
-            </a:endParaRPr>
-          </a:p>
-          <a:p>
-            <a:pPr marL="463550" indent="-463550"/>
-            <a:endParaRPr lang="en-GB" dirty="0">
-              <a:solidFill>
-                <a:schemeClr val="tx1"/>
-              </a:solidFill>
-              <a:latin typeface="Times New Roman" panose="02020603050405020304" pitchFamily="18" charset="0"/>
-              <a:cs typeface="Times New Roman" panose="02020603050405020304" pitchFamily="18" charset="0"/>
+              <a:effectLst/>
+              <a:latin typeface="Arial" panose="020B0604020202020204" pitchFamily="34" charset="0"/>
             </a:endParaRPr>
           </a:p>
         </p:txBody>
@@ -5635,7 +7781,7 @@
     </p:spTree>
     <p:extLst>
       <p:ext uri="{BB962C8B-B14F-4D97-AF65-F5344CB8AC3E}">
-        <p14:creationId xmlns:p14="http://schemas.microsoft.com/office/powerpoint/2010/main" val="1990803133"/>
+        <p14:creationId xmlns:p14="http://schemas.microsoft.com/office/powerpoint/2010/main" val="3151299058"/>
       </p:ext>
     </p:extLst>
   </p:cSld>
@@ -5667,10 +7813,10 @@
       </p:grpSpPr>
       <p:sp>
         <p:nvSpPr>
-          <p:cNvPr id="2" name="Title 1">
+          <p:cNvPr id="4" name="Title 1">
             <a:extLst>
               <a:ext uri="{FF2B5EF4-FFF2-40B4-BE49-F238E27FC236}">
-                <a16:creationId xmlns:a16="http://schemas.microsoft.com/office/drawing/2014/main" id="{DFBC01B4-A3ED-4A0D-881B-0DD9716479F5}"/>
+                <a16:creationId xmlns:a16="http://schemas.microsoft.com/office/drawing/2014/main" id="{61A0787F-DA64-4AD5-9EC0-0C1BF0812905}"/>
               </a:ext>
             </a:extLst>
           </p:cNvPr>
@@ -5683,8 +7829,8 @@
         </p:nvSpPr>
         <p:spPr>
           <a:xfrm>
-            <a:off x="838200" y="2344051"/>
-            <a:ext cx="10515600" cy="1325563"/>
+            <a:off x="810904" y="354482"/>
+            <a:ext cx="10972800" cy="860169"/>
           </a:xfrm>
         </p:spPr>
         <p:txBody>
@@ -5695,22 +7841,553 @@
           <a:p>
             <a:pPr algn="ctr"/>
             <a:r>
-              <a:rPr lang="en-US" sz="6000" b="1" dirty="0">
+              <a:rPr lang="en-US" b="1" dirty="0">
                 <a:solidFill>
                   <a:schemeClr val="tx1"/>
                 </a:solidFill>
                 <a:latin typeface="Times New Roman" panose="02020603050405020304" pitchFamily="18" charset="0"/>
                 <a:cs typeface="Times New Roman" panose="02020603050405020304" pitchFamily="18" charset="0"/>
               </a:rPr>
-              <a:t>THANK YOU!</a:t>
-            </a:r>
+              <a:t>RESULT</a:t>
+            </a:r>
+            <a:endParaRPr lang="en-GB" dirty="0">
+              <a:solidFill>
+                <a:schemeClr val="tx1"/>
+              </a:solidFill>
+              <a:latin typeface="Times New Roman" panose="02020603050405020304" pitchFamily="18" charset="0"/>
+              <a:cs typeface="Times New Roman" panose="02020603050405020304" pitchFamily="18" charset="0"/>
+            </a:endParaRPr>
+          </a:p>
+        </p:txBody>
+      </p:sp>
+      <p:graphicFrame>
+        <p:nvGraphicFramePr>
+          <p:cNvPr id="5" name="Table 4">
+            <a:extLst>
+              <a:ext uri="{FF2B5EF4-FFF2-40B4-BE49-F238E27FC236}">
+                <a16:creationId xmlns:a16="http://schemas.microsoft.com/office/drawing/2014/main" id="{5F14AD6E-D3E5-4726-9DA9-2AB15645E171}"/>
+              </a:ext>
+            </a:extLst>
+          </p:cNvPr>
+          <p:cNvGraphicFramePr>
+            <a:graphicFrameLocks noGrp="1"/>
+          </p:cNvGraphicFramePr>
+          <p:nvPr>
+            <p:extLst>
+              <p:ext uri="{D42A27DB-BD31-4B8C-83A1-F6EECF244321}">
+                <p14:modId xmlns:p14="http://schemas.microsoft.com/office/powerpoint/2010/main" val="2929400508"/>
+              </p:ext>
+            </p:extLst>
+          </p:nvPr>
+        </p:nvGraphicFramePr>
+        <p:xfrm>
+          <a:off x="810904" y="1583983"/>
+          <a:ext cx="10372373" cy="4704275"/>
+        </p:xfrm>
+        <a:graphic>
+          <a:graphicData uri="http://schemas.openxmlformats.org/drawingml/2006/table">
+            <a:tbl>
+              <a:tblPr firstRow="1" firstCol="1" bandRow="1">
+                <a:tableStyleId>{5C22544A-7EE6-4342-B048-85BDC9FD1C3A}</a:tableStyleId>
+              </a:tblPr>
+              <a:tblGrid>
+                <a:gridCol w="5897506">
+                  <a:extLst>
+                    <a:ext uri="{9D8B030D-6E8A-4147-A177-3AD203B41FA5}">
+                      <a16:colId xmlns:a16="http://schemas.microsoft.com/office/drawing/2014/main" val="49115392"/>
+                    </a:ext>
+                  </a:extLst>
+                </a:gridCol>
+                <a:gridCol w="4474867">
+                  <a:extLst>
+                    <a:ext uri="{9D8B030D-6E8A-4147-A177-3AD203B41FA5}">
+                      <a16:colId xmlns:a16="http://schemas.microsoft.com/office/drawing/2014/main" val="3798073056"/>
+                    </a:ext>
+                  </a:extLst>
+                </a:gridCol>
+              </a:tblGrid>
+              <a:tr h="940592">
+                <a:tc>
+                  <a:txBody>
+                    <a:bodyPr/>
+                    <a:lstStyle/>
+                    <a:p>
+                      <a:pPr marL="0" marR="0" algn="just">
+                        <a:lnSpc>
+                          <a:spcPct val="200000"/>
+                        </a:lnSpc>
+                        <a:spcBef>
+                          <a:spcPts val="1200"/>
+                        </a:spcBef>
+                        <a:spcAft>
+                          <a:spcPts val="0"/>
+                        </a:spcAft>
+                      </a:pPr>
+                      <a:r>
+                        <a:rPr lang="en-US" sz="2400">
+                          <a:effectLst/>
+                          <a:latin typeface="Times" panose="02020603050405020304" pitchFamily="18" charset="0"/>
+                        </a:rPr>
+                        <a:t>Nematodes observed</a:t>
+                      </a:r>
+                      <a:endParaRPr lang="en-GB" sz="2000">
+                        <a:effectLst/>
+                        <a:latin typeface="Times" panose="02020603050405020304" pitchFamily="18" charset="0"/>
+                        <a:ea typeface="Calibri" panose="020F0502020204030204" pitchFamily="34" charset="0"/>
+                        <a:cs typeface="Times New Roman" panose="02020603050405020304" pitchFamily="18" charset="0"/>
+                      </a:endParaRPr>
+                    </a:p>
+                  </a:txBody>
+                  <a:tcPr marL="68580" marR="68580" marT="0" marB="0"/>
+                </a:tc>
+                <a:tc>
+                  <a:txBody>
+                    <a:bodyPr/>
+                    <a:lstStyle/>
+                    <a:p>
+                      <a:pPr marL="0" marR="0" algn="just">
+                        <a:lnSpc>
+                          <a:spcPct val="200000"/>
+                        </a:lnSpc>
+                        <a:spcBef>
+                          <a:spcPts val="1200"/>
+                        </a:spcBef>
+                        <a:spcAft>
+                          <a:spcPts val="0"/>
+                        </a:spcAft>
+                      </a:pPr>
+                      <a:r>
+                        <a:rPr lang="en-US" sz="2400" dirty="0">
+                          <a:effectLst/>
+                          <a:latin typeface="Times" panose="02020603050405020304" pitchFamily="18" charset="0"/>
+                        </a:rPr>
+                        <a:t>Percentage (%)</a:t>
+                      </a:r>
+                      <a:endParaRPr lang="en-GB" sz="2000" dirty="0">
+                        <a:effectLst/>
+                        <a:latin typeface="Times" panose="02020603050405020304" pitchFamily="18" charset="0"/>
+                        <a:ea typeface="Calibri" panose="020F0502020204030204" pitchFamily="34" charset="0"/>
+                        <a:cs typeface="Times New Roman" panose="02020603050405020304" pitchFamily="18" charset="0"/>
+                      </a:endParaRPr>
+                    </a:p>
+                  </a:txBody>
+                  <a:tcPr marL="68580" marR="68580" marT="0" marB="0"/>
+                </a:tc>
+                <a:extLst>
+                  <a:ext uri="{0D108BD9-81ED-4DB2-BD59-A6C34878D82A}">
+                    <a16:rowId xmlns:a16="http://schemas.microsoft.com/office/drawing/2014/main" val="2928002252"/>
+                  </a:ext>
+                </a:extLst>
+              </a:tr>
+              <a:tr h="970848">
+                <a:tc>
+                  <a:txBody>
+                    <a:bodyPr/>
+                    <a:lstStyle/>
+                    <a:p>
+                      <a:pPr marL="0" marR="0" algn="just">
+                        <a:lnSpc>
+                          <a:spcPct val="200000"/>
+                        </a:lnSpc>
+                        <a:spcBef>
+                          <a:spcPts val="1200"/>
+                        </a:spcBef>
+                        <a:spcAft>
+                          <a:spcPts val="0"/>
+                        </a:spcAft>
+                      </a:pPr>
+                      <a:r>
+                        <a:rPr lang="en-US" sz="2400">
+                          <a:effectLst/>
+                          <a:latin typeface="Times" panose="02020603050405020304" pitchFamily="18" charset="0"/>
+                        </a:rPr>
+                        <a:t>Meloidogyne</a:t>
+                      </a:r>
+                      <a:endParaRPr lang="en-GB" sz="2000">
+                        <a:effectLst/>
+                        <a:latin typeface="Times" panose="02020603050405020304" pitchFamily="18" charset="0"/>
+                        <a:ea typeface="Calibri" panose="020F0502020204030204" pitchFamily="34" charset="0"/>
+                        <a:cs typeface="Times New Roman" panose="02020603050405020304" pitchFamily="18" charset="0"/>
+                      </a:endParaRPr>
+                    </a:p>
+                  </a:txBody>
+                  <a:tcPr marL="68580" marR="68580" marT="0" marB="0"/>
+                </a:tc>
+                <a:tc>
+                  <a:txBody>
+                    <a:bodyPr/>
+                    <a:lstStyle/>
+                    <a:p>
+                      <a:pPr marL="0" marR="0" algn="just">
+                        <a:lnSpc>
+                          <a:spcPct val="200000"/>
+                        </a:lnSpc>
+                        <a:spcBef>
+                          <a:spcPts val="1200"/>
+                        </a:spcBef>
+                        <a:spcAft>
+                          <a:spcPts val="0"/>
+                        </a:spcAft>
+                      </a:pPr>
+                      <a:r>
+                        <a:rPr lang="en-US" sz="2400">
+                          <a:effectLst/>
+                          <a:latin typeface="Times" panose="02020603050405020304" pitchFamily="18" charset="0"/>
+                        </a:rPr>
+                        <a:t>82.5</a:t>
+                      </a:r>
+                      <a:endParaRPr lang="en-GB" sz="2000">
+                        <a:effectLst/>
+                        <a:latin typeface="Times" panose="02020603050405020304" pitchFamily="18" charset="0"/>
+                        <a:ea typeface="Calibri" panose="020F0502020204030204" pitchFamily="34" charset="0"/>
+                        <a:cs typeface="Times New Roman" panose="02020603050405020304" pitchFamily="18" charset="0"/>
+                      </a:endParaRPr>
+                    </a:p>
+                  </a:txBody>
+                  <a:tcPr marL="68580" marR="68580" marT="0" marB="0"/>
+                </a:tc>
+                <a:extLst>
+                  <a:ext uri="{0D108BD9-81ED-4DB2-BD59-A6C34878D82A}">
+                    <a16:rowId xmlns:a16="http://schemas.microsoft.com/office/drawing/2014/main" val="2989449473"/>
+                  </a:ext>
+                </a:extLst>
+              </a:tr>
+              <a:tr h="911651">
+                <a:tc>
+                  <a:txBody>
+                    <a:bodyPr/>
+                    <a:lstStyle/>
+                    <a:p>
+                      <a:pPr marL="0" marR="0" algn="just">
+                        <a:lnSpc>
+                          <a:spcPct val="200000"/>
+                        </a:lnSpc>
+                        <a:spcBef>
+                          <a:spcPts val="1200"/>
+                        </a:spcBef>
+                        <a:spcAft>
+                          <a:spcPts val="0"/>
+                        </a:spcAft>
+                      </a:pPr>
+                      <a:r>
+                        <a:rPr lang="en-US" sz="2400">
+                          <a:effectLst/>
+                          <a:latin typeface="Times" panose="02020603050405020304" pitchFamily="18" charset="0"/>
+                        </a:rPr>
+                        <a:t>Pratylenchids </a:t>
+                      </a:r>
+                      <a:endParaRPr lang="en-GB" sz="2000">
+                        <a:effectLst/>
+                        <a:latin typeface="Times" panose="02020603050405020304" pitchFamily="18" charset="0"/>
+                        <a:ea typeface="Calibri" panose="020F0502020204030204" pitchFamily="34" charset="0"/>
+                        <a:cs typeface="Times New Roman" panose="02020603050405020304" pitchFamily="18" charset="0"/>
+                      </a:endParaRPr>
+                    </a:p>
+                  </a:txBody>
+                  <a:tcPr marL="68580" marR="68580" marT="0" marB="0"/>
+                </a:tc>
+                <a:tc>
+                  <a:txBody>
+                    <a:bodyPr/>
+                    <a:lstStyle/>
+                    <a:p>
+                      <a:pPr marL="0" marR="0" algn="just">
+                        <a:lnSpc>
+                          <a:spcPct val="200000"/>
+                        </a:lnSpc>
+                        <a:spcBef>
+                          <a:spcPts val="1200"/>
+                        </a:spcBef>
+                        <a:spcAft>
+                          <a:spcPts val="0"/>
+                        </a:spcAft>
+                      </a:pPr>
+                      <a:r>
+                        <a:rPr lang="en-US" sz="2400">
+                          <a:effectLst/>
+                          <a:latin typeface="Times" panose="02020603050405020304" pitchFamily="18" charset="0"/>
+                        </a:rPr>
+                        <a:t>79.2</a:t>
+                      </a:r>
+                      <a:endParaRPr lang="en-GB" sz="2000">
+                        <a:effectLst/>
+                        <a:latin typeface="Times" panose="02020603050405020304" pitchFamily="18" charset="0"/>
+                        <a:ea typeface="Calibri" panose="020F0502020204030204" pitchFamily="34" charset="0"/>
+                        <a:cs typeface="Times New Roman" panose="02020603050405020304" pitchFamily="18" charset="0"/>
+                      </a:endParaRPr>
+                    </a:p>
+                  </a:txBody>
+                  <a:tcPr marL="68580" marR="68580" marT="0" marB="0"/>
+                </a:tc>
+                <a:extLst>
+                  <a:ext uri="{0D108BD9-81ED-4DB2-BD59-A6C34878D82A}">
+                    <a16:rowId xmlns:a16="http://schemas.microsoft.com/office/drawing/2014/main" val="1410093632"/>
+                  </a:ext>
+                </a:extLst>
+              </a:tr>
+              <a:tr h="940592">
+                <a:tc>
+                  <a:txBody>
+                    <a:bodyPr/>
+                    <a:lstStyle/>
+                    <a:p>
+                      <a:pPr marL="0" marR="0" algn="just">
+                        <a:lnSpc>
+                          <a:spcPct val="200000"/>
+                        </a:lnSpc>
+                        <a:spcBef>
+                          <a:spcPts val="1200"/>
+                        </a:spcBef>
+                        <a:spcAft>
+                          <a:spcPts val="0"/>
+                        </a:spcAft>
+                      </a:pPr>
+                      <a:r>
+                        <a:rPr lang="en-US" sz="2400">
+                          <a:effectLst/>
+                          <a:latin typeface="Times" panose="02020603050405020304" pitchFamily="18" charset="0"/>
+                        </a:rPr>
+                        <a:t>Criconemella</a:t>
+                      </a:r>
+                      <a:endParaRPr lang="en-GB" sz="2000">
+                        <a:effectLst/>
+                        <a:latin typeface="Times" panose="02020603050405020304" pitchFamily="18" charset="0"/>
+                        <a:ea typeface="Calibri" panose="020F0502020204030204" pitchFamily="34" charset="0"/>
+                        <a:cs typeface="Times New Roman" panose="02020603050405020304" pitchFamily="18" charset="0"/>
+                      </a:endParaRPr>
+                    </a:p>
+                  </a:txBody>
+                  <a:tcPr marL="68580" marR="68580" marT="0" marB="0"/>
+                </a:tc>
+                <a:tc>
+                  <a:txBody>
+                    <a:bodyPr/>
+                    <a:lstStyle/>
+                    <a:p>
+                      <a:pPr marL="0" marR="0" algn="just">
+                        <a:lnSpc>
+                          <a:spcPct val="200000"/>
+                        </a:lnSpc>
+                        <a:spcBef>
+                          <a:spcPts val="1200"/>
+                        </a:spcBef>
+                        <a:spcAft>
+                          <a:spcPts val="0"/>
+                        </a:spcAft>
+                      </a:pPr>
+                      <a:r>
+                        <a:rPr lang="en-US" sz="2400">
+                          <a:effectLst/>
+                          <a:latin typeface="Times" panose="02020603050405020304" pitchFamily="18" charset="0"/>
+                        </a:rPr>
+                        <a:t>19.3</a:t>
+                      </a:r>
+                      <a:endParaRPr lang="en-GB" sz="2000">
+                        <a:effectLst/>
+                        <a:latin typeface="Times" panose="02020603050405020304" pitchFamily="18" charset="0"/>
+                        <a:ea typeface="Calibri" panose="020F0502020204030204" pitchFamily="34" charset="0"/>
+                        <a:cs typeface="Times New Roman" panose="02020603050405020304" pitchFamily="18" charset="0"/>
+                      </a:endParaRPr>
+                    </a:p>
+                  </a:txBody>
+                  <a:tcPr marL="68580" marR="68580" marT="0" marB="0"/>
+                </a:tc>
+                <a:extLst>
+                  <a:ext uri="{0D108BD9-81ED-4DB2-BD59-A6C34878D82A}">
+                    <a16:rowId xmlns:a16="http://schemas.microsoft.com/office/drawing/2014/main" val="2677533550"/>
+                  </a:ext>
+                </a:extLst>
+              </a:tr>
+              <a:tr h="940592">
+                <a:tc>
+                  <a:txBody>
+                    <a:bodyPr/>
+                    <a:lstStyle/>
+                    <a:p>
+                      <a:pPr marL="0" marR="0" algn="just">
+                        <a:lnSpc>
+                          <a:spcPct val="200000"/>
+                        </a:lnSpc>
+                        <a:spcBef>
+                          <a:spcPts val="1200"/>
+                        </a:spcBef>
+                        <a:spcAft>
+                          <a:spcPts val="0"/>
+                        </a:spcAft>
+                      </a:pPr>
+                      <a:r>
+                        <a:rPr lang="en-US" sz="2400">
+                          <a:effectLst/>
+                          <a:latin typeface="Times" panose="02020603050405020304" pitchFamily="18" charset="0"/>
+                        </a:rPr>
+                        <a:t>Rotylenchulus </a:t>
+                      </a:r>
+                      <a:endParaRPr lang="en-GB" sz="2000">
+                        <a:effectLst/>
+                        <a:latin typeface="Times" panose="02020603050405020304" pitchFamily="18" charset="0"/>
+                        <a:ea typeface="Calibri" panose="020F0502020204030204" pitchFamily="34" charset="0"/>
+                        <a:cs typeface="Times New Roman" panose="02020603050405020304" pitchFamily="18" charset="0"/>
+                      </a:endParaRPr>
+                    </a:p>
+                  </a:txBody>
+                  <a:tcPr marL="68580" marR="68580" marT="0" marB="0"/>
+                </a:tc>
+                <a:tc>
+                  <a:txBody>
+                    <a:bodyPr/>
+                    <a:lstStyle/>
+                    <a:p>
+                      <a:pPr marL="0" marR="0" algn="just">
+                        <a:lnSpc>
+                          <a:spcPct val="200000"/>
+                        </a:lnSpc>
+                        <a:spcBef>
+                          <a:spcPts val="1200"/>
+                        </a:spcBef>
+                        <a:spcAft>
+                          <a:spcPts val="0"/>
+                        </a:spcAft>
+                      </a:pPr>
+                      <a:r>
+                        <a:rPr lang="en-US" sz="2400" dirty="0">
+                          <a:effectLst/>
+                          <a:latin typeface="Times" panose="02020603050405020304" pitchFamily="18" charset="0"/>
+                        </a:rPr>
+                        <a:t>18.5</a:t>
+                      </a:r>
+                      <a:endParaRPr lang="en-GB" sz="2000" dirty="0">
+                        <a:effectLst/>
+                        <a:latin typeface="Times" panose="02020603050405020304" pitchFamily="18" charset="0"/>
+                        <a:ea typeface="Calibri" panose="020F0502020204030204" pitchFamily="34" charset="0"/>
+                        <a:cs typeface="Times New Roman" panose="02020603050405020304" pitchFamily="18" charset="0"/>
+                      </a:endParaRPr>
+                    </a:p>
+                  </a:txBody>
+                  <a:tcPr marL="68580" marR="68580" marT="0" marB="0"/>
+                </a:tc>
+                <a:extLst>
+                  <a:ext uri="{0D108BD9-81ED-4DB2-BD59-A6C34878D82A}">
+                    <a16:rowId xmlns:a16="http://schemas.microsoft.com/office/drawing/2014/main" val="386513298"/>
+                  </a:ext>
+                </a:extLst>
+              </a:tr>
+            </a:tbl>
+          </a:graphicData>
+        </a:graphic>
+      </p:graphicFrame>
+      <p:sp>
+        <p:nvSpPr>
+          <p:cNvPr id="6" name="Rectangle 1">
+            <a:extLst>
+              <a:ext uri="{FF2B5EF4-FFF2-40B4-BE49-F238E27FC236}">
+                <a16:creationId xmlns:a16="http://schemas.microsoft.com/office/drawing/2014/main" id="{0E5A285B-052C-42EB-A883-DC1F101E5B68}"/>
+              </a:ext>
+            </a:extLst>
+          </p:cNvPr>
+          <p:cNvSpPr>
+            <a:spLocks noChangeArrowheads="1"/>
+          </p:cNvSpPr>
+          <p:nvPr/>
+        </p:nvSpPr>
+        <p:spPr bwMode="auto">
+          <a:xfrm>
+            <a:off x="749358" y="1199262"/>
+            <a:ext cx="5447260" cy="400110"/>
+          </a:xfrm>
+          <a:prstGeom prst="rect">
+            <a:avLst/>
+          </a:prstGeom>
+          <a:noFill/>
+          <a:ln>
+            <a:noFill/>
+          </a:ln>
+          <a:effectLst/>
+          <a:extLst>
+            <a:ext uri="{909E8E84-426E-40DD-AFC4-6F175D3DCCD1}">
+              <a14:hiddenFill xmlns:a14="http://schemas.microsoft.com/office/drawing/2010/main">
+                <a:solidFill>
+                  <a:schemeClr val="accent1"/>
+                </a:solidFill>
+              </a14:hiddenFill>
+            </a:ext>
+            <a:ext uri="{91240B29-F687-4F45-9708-019B960494DF}">
+              <a14:hiddenLine xmlns:a14="http://schemas.microsoft.com/office/drawing/2010/main" w="9525">
+                <a:solidFill>
+                  <a:schemeClr val="tx1"/>
+                </a:solidFill>
+                <a:miter lim="800000"/>
+                <a:headEnd/>
+                <a:tailEnd/>
+              </a14:hiddenLine>
+            </a:ext>
+            <a:ext uri="{AF507438-7753-43E0-B8FC-AC1667EBCBE1}">
+              <a14:hiddenEffects xmlns:a14="http://schemas.microsoft.com/office/drawing/2010/main">
+                <a:effectLst>
+                  <a:outerShdw dist="35921" dir="2700000" algn="ctr" rotWithShape="0">
+                    <a:schemeClr val="bg2"/>
+                  </a:outerShdw>
+                </a:effectLst>
+              </a14:hiddenEffects>
+            </a:ext>
+          </a:extLst>
+        </p:spPr>
+        <p:txBody>
+          <a:bodyPr vert="horz" wrap="none" lIns="91440" tIns="45720" rIns="91440" bIns="45720" numCol="1" anchor="ctr" anchorCtr="0" compatLnSpc="1">
+            <a:prstTxWarp prst="textNoShape">
+              <a:avLst/>
+            </a:prstTxWarp>
+            <a:spAutoFit/>
+          </a:bodyPr>
+          <a:lstStyle/>
+          <a:p>
+            <a:pPr marL="0" marR="0" lvl="0" indent="0" algn="just" defTabSz="914400" rtl="0" eaLnBrk="0" fontAlgn="base" latinLnBrk="0" hangingPunct="0">
+              <a:lnSpc>
+                <a:spcPct val="100000"/>
+              </a:lnSpc>
+              <a:spcBef>
+                <a:spcPct val="0"/>
+              </a:spcBef>
+              <a:spcAft>
+                <a:spcPct val="0"/>
+              </a:spcAft>
+              <a:buClrTx/>
+              <a:buSzTx/>
+              <a:buFontTx/>
+              <a:buNone/>
+              <a:tabLst/>
+            </a:pPr>
+            <a:r>
+              <a:rPr kumimoji="0" lang="en-US" altLang="en-US" sz="2000" b="0" i="0" u="none" strike="noStrike" cap="none" normalizeH="0" baseline="0" dirty="0">
+                <a:ln>
+                  <a:noFill/>
+                </a:ln>
+                <a:solidFill>
+                  <a:srgbClr val="000000"/>
+                </a:solidFill>
+                <a:effectLst/>
+                <a:latin typeface="Times New Roman" panose="02020603050405020304" pitchFamily="18" charset="0"/>
+                <a:ea typeface="Calibri" panose="020F0502020204030204" pitchFamily="34" charset="0"/>
+                <a:cs typeface="Times New Roman" panose="02020603050405020304" pitchFamily="18" charset="0"/>
+              </a:rPr>
+              <a:t>Table 4.3: The percentage prevalence of nematodes</a:t>
+            </a:r>
+            <a:endParaRPr kumimoji="0" lang="en-US" altLang="en-US" sz="3200" b="0" i="0" u="none" strike="noStrike" cap="none" normalizeH="0" baseline="0" dirty="0">
+              <a:ln>
+                <a:noFill/>
+              </a:ln>
+              <a:solidFill>
+                <a:schemeClr val="tx1"/>
+              </a:solidFill>
+              <a:effectLst/>
+              <a:latin typeface="Arial" panose="020B0604020202020204" pitchFamily="34" charset="0"/>
+            </a:endParaRPr>
           </a:p>
         </p:txBody>
       </p:sp>
     </p:spTree>
     <p:extLst>
       <p:ext uri="{BB962C8B-B14F-4D97-AF65-F5344CB8AC3E}">
-        <p14:creationId xmlns:p14="http://schemas.microsoft.com/office/powerpoint/2010/main" val="637252669"/>
+        <p14:creationId xmlns:p14="http://schemas.microsoft.com/office/powerpoint/2010/main" val="3624943596"/>
       </p:ext>
     </p:extLst>
   </p:cSld>
